--- a/Presentations/Planning_Presentation.pptx
+++ b/Presentations/Planning_Presentation.pptx
@@ -10,7 +10,7 @@
   <p:sldIdLst>
     <p:sldId id="256" r:id="rId2"/>
     <p:sldId id="275" r:id="rId3"/>
-    <p:sldId id="258" r:id="rId4"/>
+    <p:sldId id="299" r:id="rId4"/>
     <p:sldId id="283" r:id="rId5"/>
     <p:sldId id="295" r:id="rId6"/>
     <p:sldId id="296" r:id="rId7"/>
@@ -921,813 +921,6 @@
 </file>
 
 <file path=ppt/diagrams/colors2.xml><?xml version="1.0" encoding="utf-8"?>
-<dgm:colorsDef xmlns:dgm="http://schemas.openxmlformats.org/drawingml/2006/diagram" xmlns:a="http://schemas.openxmlformats.org/drawingml/2006/main" uniqueId="urn:microsoft.com/office/officeart/2005/8/colors/accent1_1">
-  <dgm:title val=""/>
-  <dgm:desc val=""/>
-  <dgm:catLst>
-    <dgm:cat type="accent1" pri="11100"/>
-  </dgm:catLst>
-  <dgm:styleLbl name="node0">
-    <dgm:fillClrLst meth="repeat">
-      <a:schemeClr val="lt1"/>
-    </dgm:fillClrLst>
-    <dgm:linClrLst meth="repeat">
-      <a:schemeClr val="accent1">
-        <a:shade val="80000"/>
-      </a:schemeClr>
-    </dgm:linClrLst>
-    <dgm:effectClrLst/>
-    <dgm:txLinClrLst/>
-    <dgm:txFillClrLst meth="repeat">
-      <a:schemeClr val="dk1"/>
-    </dgm:txFillClrLst>
-    <dgm:txEffectClrLst/>
-  </dgm:styleLbl>
-  <dgm:styleLbl name="alignNode1">
-    <dgm:fillClrLst meth="repeat">
-      <a:schemeClr val="lt1"/>
-    </dgm:fillClrLst>
-    <dgm:linClrLst meth="repeat">
-      <a:schemeClr val="accent1">
-        <a:shade val="80000"/>
-      </a:schemeClr>
-    </dgm:linClrLst>
-    <dgm:effectClrLst/>
-    <dgm:txLinClrLst/>
-    <dgm:txFillClrLst meth="repeat">
-      <a:schemeClr val="dk1"/>
-    </dgm:txFillClrLst>
-    <dgm:txEffectClrLst/>
-  </dgm:styleLbl>
-  <dgm:styleLbl name="node1">
-    <dgm:fillClrLst meth="repeat">
-      <a:schemeClr val="lt1"/>
-    </dgm:fillClrLst>
-    <dgm:linClrLst meth="repeat">
-      <a:schemeClr val="accent1">
-        <a:shade val="80000"/>
-      </a:schemeClr>
-    </dgm:linClrLst>
-    <dgm:effectClrLst/>
-    <dgm:txLinClrLst/>
-    <dgm:txFillClrLst meth="repeat">
-      <a:schemeClr val="dk1"/>
-    </dgm:txFillClrLst>
-    <dgm:txEffectClrLst/>
-  </dgm:styleLbl>
-  <dgm:styleLbl name="lnNode1">
-    <dgm:fillClrLst meth="repeat">
-      <a:schemeClr val="lt1"/>
-    </dgm:fillClrLst>
-    <dgm:linClrLst meth="repeat">
-      <a:schemeClr val="accent1">
-        <a:shade val="80000"/>
-      </a:schemeClr>
-    </dgm:linClrLst>
-    <dgm:effectClrLst/>
-    <dgm:txLinClrLst/>
-    <dgm:txFillClrLst meth="repeat">
-      <a:schemeClr val="dk1"/>
-    </dgm:txFillClrLst>
-    <dgm:txEffectClrLst/>
-  </dgm:styleLbl>
-  <dgm:styleLbl name="vennNode1">
-    <dgm:fillClrLst meth="repeat">
-      <a:schemeClr val="lt1">
-        <a:alpha val="50000"/>
-      </a:schemeClr>
-    </dgm:fillClrLst>
-    <dgm:linClrLst meth="repeat">
-      <a:schemeClr val="accent1">
-        <a:shade val="80000"/>
-      </a:schemeClr>
-    </dgm:linClrLst>
-    <dgm:effectClrLst/>
-    <dgm:txLinClrLst/>
-    <dgm:txFillClrLst/>
-    <dgm:txEffectClrLst/>
-  </dgm:styleLbl>
-  <dgm:styleLbl name="node2">
-    <dgm:fillClrLst meth="repeat">
-      <a:schemeClr val="lt1"/>
-    </dgm:fillClrLst>
-    <dgm:linClrLst meth="repeat">
-      <a:schemeClr val="accent1">
-        <a:shade val="80000"/>
-      </a:schemeClr>
-    </dgm:linClrLst>
-    <dgm:effectClrLst/>
-    <dgm:txLinClrLst/>
-    <dgm:txFillClrLst meth="repeat">
-      <a:schemeClr val="dk1"/>
-    </dgm:txFillClrLst>
-    <dgm:txEffectClrLst/>
-  </dgm:styleLbl>
-  <dgm:styleLbl name="node3">
-    <dgm:fillClrLst meth="repeat">
-      <a:schemeClr val="lt1"/>
-    </dgm:fillClrLst>
-    <dgm:linClrLst meth="repeat">
-      <a:schemeClr val="accent1">
-        <a:shade val="80000"/>
-      </a:schemeClr>
-    </dgm:linClrLst>
-    <dgm:effectClrLst/>
-    <dgm:txLinClrLst/>
-    <dgm:txFillClrLst meth="repeat">
-      <a:schemeClr val="dk1"/>
-    </dgm:txFillClrLst>
-    <dgm:txEffectClrLst/>
-  </dgm:styleLbl>
-  <dgm:styleLbl name="node4">
-    <dgm:fillClrLst meth="repeat">
-      <a:schemeClr val="lt1"/>
-    </dgm:fillClrLst>
-    <dgm:linClrLst meth="repeat">
-      <a:schemeClr val="accent1">
-        <a:shade val="80000"/>
-      </a:schemeClr>
-    </dgm:linClrLst>
-    <dgm:effectClrLst/>
-    <dgm:txLinClrLst/>
-    <dgm:txFillClrLst meth="repeat">
-      <a:schemeClr val="dk1"/>
-    </dgm:txFillClrLst>
-    <dgm:txEffectClrLst/>
-  </dgm:styleLbl>
-  <dgm:styleLbl name="fgImgPlace1">
-    <dgm:fillClrLst meth="repeat">
-      <a:schemeClr val="accent1">
-        <a:tint val="40000"/>
-      </a:schemeClr>
-    </dgm:fillClrLst>
-    <dgm:linClrLst meth="repeat">
-      <a:schemeClr val="accent1">
-        <a:shade val="80000"/>
-      </a:schemeClr>
-    </dgm:linClrLst>
-    <dgm:effectClrLst/>
-    <dgm:txLinClrLst/>
-    <dgm:txFillClrLst meth="repeat">
-      <a:schemeClr val="lt1"/>
-    </dgm:txFillClrLst>
-    <dgm:txEffectClrLst/>
-  </dgm:styleLbl>
-  <dgm:styleLbl name="alignImgPlace1">
-    <dgm:fillClrLst meth="repeat">
-      <a:schemeClr val="accent1">
-        <a:tint val="40000"/>
-      </a:schemeClr>
-    </dgm:fillClrLst>
-    <dgm:linClrLst meth="repeat">
-      <a:schemeClr val="accent1">
-        <a:shade val="80000"/>
-      </a:schemeClr>
-    </dgm:linClrLst>
-    <dgm:effectClrLst/>
-    <dgm:txLinClrLst/>
-    <dgm:txFillClrLst meth="repeat">
-      <a:schemeClr val="lt1"/>
-    </dgm:txFillClrLst>
-    <dgm:txEffectClrLst/>
-  </dgm:styleLbl>
-  <dgm:styleLbl name="bgImgPlace1">
-    <dgm:fillClrLst meth="repeat">
-      <a:schemeClr val="accent1">
-        <a:tint val="40000"/>
-      </a:schemeClr>
-    </dgm:fillClrLst>
-    <dgm:linClrLst meth="repeat">
-      <a:schemeClr val="accent1">
-        <a:shade val="80000"/>
-      </a:schemeClr>
-    </dgm:linClrLst>
-    <dgm:effectClrLst/>
-    <dgm:txLinClrLst/>
-    <dgm:txFillClrLst meth="repeat">
-      <a:schemeClr val="lt1"/>
-    </dgm:txFillClrLst>
-    <dgm:txEffectClrLst/>
-  </dgm:styleLbl>
-  <dgm:styleLbl name="sibTrans2D1">
-    <dgm:fillClrLst meth="repeat">
-      <a:schemeClr val="accent1">
-        <a:tint val="60000"/>
-      </a:schemeClr>
-    </dgm:fillClrLst>
-    <dgm:linClrLst meth="repeat">
-      <a:schemeClr val="accent1">
-        <a:tint val="60000"/>
-      </a:schemeClr>
-    </dgm:linClrLst>
-    <dgm:effectClrLst/>
-    <dgm:txLinClrLst/>
-    <dgm:txFillClrLst meth="repeat">
-      <a:schemeClr val="dk1"/>
-    </dgm:txFillClrLst>
-    <dgm:txEffectClrLst/>
-  </dgm:styleLbl>
-  <dgm:styleLbl name="fgSibTrans2D1">
-    <dgm:fillClrLst meth="repeat">
-      <a:schemeClr val="accent1">
-        <a:tint val="60000"/>
-      </a:schemeClr>
-    </dgm:fillClrLst>
-    <dgm:linClrLst meth="repeat">
-      <a:schemeClr val="accent1">
-        <a:tint val="60000"/>
-      </a:schemeClr>
-    </dgm:linClrLst>
-    <dgm:effectClrLst/>
-    <dgm:txLinClrLst/>
-    <dgm:txFillClrLst meth="repeat">
-      <a:schemeClr val="dk1"/>
-    </dgm:txFillClrLst>
-    <dgm:txEffectClrLst/>
-  </dgm:styleLbl>
-  <dgm:styleLbl name="bgSibTrans2D1">
-    <dgm:fillClrLst meth="repeat">
-      <a:schemeClr val="accent1">
-        <a:tint val="60000"/>
-      </a:schemeClr>
-    </dgm:fillClrLst>
-    <dgm:linClrLst meth="repeat">
-      <a:schemeClr val="accent1">
-        <a:tint val="60000"/>
-      </a:schemeClr>
-    </dgm:linClrLst>
-    <dgm:effectClrLst/>
-    <dgm:txLinClrLst/>
-    <dgm:txFillClrLst meth="repeat">
-      <a:schemeClr val="dk1"/>
-    </dgm:txFillClrLst>
-    <dgm:txEffectClrLst/>
-  </dgm:styleLbl>
-  <dgm:styleLbl name="sibTrans1D1">
-    <dgm:fillClrLst meth="repeat">
-      <a:schemeClr val="accent1"/>
-    </dgm:fillClrLst>
-    <dgm:linClrLst meth="repeat">
-      <a:schemeClr val="accent1"/>
-    </dgm:linClrLst>
-    <dgm:effectClrLst/>
-    <dgm:txLinClrLst/>
-    <dgm:txFillClrLst meth="repeat">
-      <a:schemeClr val="tx1"/>
-    </dgm:txFillClrLst>
-    <dgm:txEffectClrLst/>
-  </dgm:styleLbl>
-  <dgm:styleLbl name="callout">
-    <dgm:fillClrLst meth="repeat">
-      <a:schemeClr val="accent1"/>
-    </dgm:fillClrLst>
-    <dgm:linClrLst meth="repeat">
-      <a:schemeClr val="accent1"/>
-    </dgm:linClrLst>
-    <dgm:effectClrLst/>
-    <dgm:txLinClrLst/>
-    <dgm:txFillClrLst meth="repeat">
-      <a:schemeClr val="tx1"/>
-    </dgm:txFillClrLst>
-    <dgm:txEffectClrLst/>
-  </dgm:styleLbl>
-  <dgm:styleLbl name="asst0">
-    <dgm:fillClrLst meth="repeat">
-      <a:schemeClr val="lt1"/>
-    </dgm:fillClrLst>
-    <dgm:linClrLst meth="repeat">
-      <a:schemeClr val="accent1">
-        <a:shade val="80000"/>
-      </a:schemeClr>
-    </dgm:linClrLst>
-    <dgm:effectClrLst/>
-    <dgm:txLinClrLst/>
-    <dgm:txFillClrLst meth="repeat">
-      <a:schemeClr val="dk1"/>
-    </dgm:txFillClrLst>
-    <dgm:txEffectClrLst/>
-  </dgm:styleLbl>
-  <dgm:styleLbl name="asst1">
-    <dgm:fillClrLst meth="repeat">
-      <a:schemeClr val="lt1"/>
-    </dgm:fillClrLst>
-    <dgm:linClrLst meth="repeat">
-      <a:schemeClr val="accent1">
-        <a:shade val="80000"/>
-      </a:schemeClr>
-    </dgm:linClrLst>
-    <dgm:effectClrLst/>
-    <dgm:txLinClrLst/>
-    <dgm:txFillClrLst meth="repeat">
-      <a:schemeClr val="dk1"/>
-    </dgm:txFillClrLst>
-    <dgm:txEffectClrLst/>
-  </dgm:styleLbl>
-  <dgm:styleLbl name="asst2">
-    <dgm:fillClrLst meth="repeat">
-      <a:schemeClr val="lt1"/>
-    </dgm:fillClrLst>
-    <dgm:linClrLst meth="repeat">
-      <a:schemeClr val="accent1">
-        <a:shade val="80000"/>
-      </a:schemeClr>
-    </dgm:linClrLst>
-    <dgm:effectClrLst/>
-    <dgm:txLinClrLst/>
-    <dgm:txFillClrLst meth="repeat">
-      <a:schemeClr val="dk1"/>
-    </dgm:txFillClrLst>
-    <dgm:txEffectClrLst/>
-  </dgm:styleLbl>
-  <dgm:styleLbl name="asst3">
-    <dgm:fillClrLst meth="repeat">
-      <a:schemeClr val="lt1"/>
-    </dgm:fillClrLst>
-    <dgm:linClrLst meth="repeat">
-      <a:schemeClr val="accent1">
-        <a:shade val="80000"/>
-      </a:schemeClr>
-    </dgm:linClrLst>
-    <dgm:effectClrLst/>
-    <dgm:txLinClrLst/>
-    <dgm:txFillClrLst meth="repeat">
-      <a:schemeClr val="dk1"/>
-    </dgm:txFillClrLst>
-    <dgm:txEffectClrLst/>
-  </dgm:styleLbl>
-  <dgm:styleLbl name="asst4">
-    <dgm:fillClrLst meth="repeat">
-      <a:schemeClr val="lt1"/>
-    </dgm:fillClrLst>
-    <dgm:linClrLst meth="repeat">
-      <a:schemeClr val="accent1">
-        <a:shade val="80000"/>
-      </a:schemeClr>
-    </dgm:linClrLst>
-    <dgm:effectClrLst/>
-    <dgm:txLinClrLst/>
-    <dgm:txFillClrLst meth="repeat">
-      <a:schemeClr val="dk1"/>
-    </dgm:txFillClrLst>
-    <dgm:txEffectClrLst/>
-  </dgm:styleLbl>
-  <dgm:styleLbl name="parChTrans2D1">
-    <dgm:fillClrLst meth="repeat">
-      <a:schemeClr val="accent1">
-        <a:tint val="60000"/>
-      </a:schemeClr>
-    </dgm:fillClrLst>
-    <dgm:linClrLst meth="repeat">
-      <a:schemeClr val="accent1">
-        <a:tint val="60000"/>
-      </a:schemeClr>
-    </dgm:linClrLst>
-    <dgm:effectClrLst/>
-    <dgm:txLinClrLst/>
-    <dgm:txFillClrLst/>
-    <dgm:txEffectClrLst/>
-  </dgm:styleLbl>
-  <dgm:styleLbl name="parChTrans2D2">
-    <dgm:fillClrLst meth="repeat">
-      <a:schemeClr val="accent1"/>
-    </dgm:fillClrLst>
-    <dgm:linClrLst meth="repeat">
-      <a:schemeClr val="accent1"/>
-    </dgm:linClrLst>
-    <dgm:effectClrLst/>
-    <dgm:txLinClrLst/>
-    <dgm:txFillClrLst/>
-    <dgm:txEffectClrLst/>
-  </dgm:styleLbl>
-  <dgm:styleLbl name="parChTrans2D3">
-    <dgm:fillClrLst meth="repeat">
-      <a:schemeClr val="accent1"/>
-    </dgm:fillClrLst>
-    <dgm:linClrLst meth="repeat">
-      <a:schemeClr val="accent1"/>
-    </dgm:linClrLst>
-    <dgm:effectClrLst/>
-    <dgm:txLinClrLst/>
-    <dgm:txFillClrLst/>
-    <dgm:txEffectClrLst/>
-  </dgm:styleLbl>
-  <dgm:styleLbl name="parChTrans2D4">
-    <dgm:fillClrLst meth="repeat">
-      <a:schemeClr val="accent1"/>
-    </dgm:fillClrLst>
-    <dgm:linClrLst meth="repeat">
-      <a:schemeClr val="accent1"/>
-    </dgm:linClrLst>
-    <dgm:effectClrLst/>
-    <dgm:txLinClrLst/>
-    <dgm:txFillClrLst meth="repeat">
-      <a:schemeClr val="lt1"/>
-    </dgm:txFillClrLst>
-    <dgm:txEffectClrLst/>
-  </dgm:styleLbl>
-  <dgm:styleLbl name="parChTrans1D1">
-    <dgm:fillClrLst meth="repeat">
-      <a:schemeClr val="accent1"/>
-    </dgm:fillClrLst>
-    <dgm:linClrLst meth="repeat">
-      <a:schemeClr val="accent1">
-        <a:shade val="60000"/>
-      </a:schemeClr>
-    </dgm:linClrLst>
-    <dgm:effectClrLst/>
-    <dgm:txLinClrLst/>
-    <dgm:txFillClrLst meth="repeat">
-      <a:schemeClr val="tx1"/>
-    </dgm:txFillClrLst>
-    <dgm:txEffectClrLst/>
-  </dgm:styleLbl>
-  <dgm:styleLbl name="parChTrans1D2">
-    <dgm:fillClrLst meth="repeat">
-      <a:schemeClr val="accent1"/>
-    </dgm:fillClrLst>
-    <dgm:linClrLst meth="repeat">
-      <a:schemeClr val="accent1">
-        <a:shade val="60000"/>
-      </a:schemeClr>
-    </dgm:linClrLst>
-    <dgm:effectClrLst/>
-    <dgm:txLinClrLst/>
-    <dgm:txFillClrLst meth="repeat">
-      <a:schemeClr val="tx1"/>
-    </dgm:txFillClrLst>
-    <dgm:txEffectClrLst/>
-  </dgm:styleLbl>
-  <dgm:styleLbl name="parChTrans1D3">
-    <dgm:fillClrLst meth="repeat">
-      <a:schemeClr val="accent1"/>
-    </dgm:fillClrLst>
-    <dgm:linClrLst meth="repeat">
-      <a:schemeClr val="accent1">
-        <a:shade val="80000"/>
-      </a:schemeClr>
-    </dgm:linClrLst>
-    <dgm:effectClrLst/>
-    <dgm:txLinClrLst/>
-    <dgm:txFillClrLst meth="repeat">
-      <a:schemeClr val="tx1"/>
-    </dgm:txFillClrLst>
-    <dgm:txEffectClrLst/>
-  </dgm:styleLbl>
-  <dgm:styleLbl name="parChTrans1D4">
-    <dgm:fillClrLst meth="repeat">
-      <a:schemeClr val="accent1"/>
-    </dgm:fillClrLst>
-    <dgm:linClrLst meth="repeat">
-      <a:schemeClr val="accent1">
-        <a:shade val="80000"/>
-      </a:schemeClr>
-    </dgm:linClrLst>
-    <dgm:effectClrLst/>
-    <dgm:txLinClrLst/>
-    <dgm:txFillClrLst meth="repeat">
-      <a:schemeClr val="tx1"/>
-    </dgm:txFillClrLst>
-    <dgm:txEffectClrLst/>
-  </dgm:styleLbl>
-  <dgm:styleLbl name="fgAcc1">
-    <dgm:fillClrLst meth="repeat">
-      <a:schemeClr val="accent1">
-        <a:alpha val="90000"/>
-        <a:tint val="40000"/>
-      </a:schemeClr>
-    </dgm:fillClrLst>
-    <dgm:linClrLst meth="repeat">
-      <a:schemeClr val="accent1"/>
-    </dgm:linClrLst>
-    <dgm:effectClrLst/>
-    <dgm:txLinClrLst/>
-    <dgm:txFillClrLst meth="repeat">
-      <a:schemeClr val="dk1"/>
-    </dgm:txFillClrLst>
-    <dgm:txEffectClrLst/>
-  </dgm:styleLbl>
-  <dgm:styleLbl name="conFgAcc1">
-    <dgm:fillClrLst meth="repeat">
-      <a:schemeClr val="accent1">
-        <a:alpha val="90000"/>
-        <a:tint val="40000"/>
-      </a:schemeClr>
-    </dgm:fillClrLst>
-    <dgm:linClrLst meth="repeat">
-      <a:schemeClr val="accent1"/>
-    </dgm:linClrLst>
-    <dgm:effectClrLst/>
-    <dgm:txLinClrLst/>
-    <dgm:txFillClrLst meth="repeat">
-      <a:schemeClr val="dk1"/>
-    </dgm:txFillClrLst>
-    <dgm:txEffectClrLst/>
-  </dgm:styleLbl>
-  <dgm:styleLbl name="alignAcc1">
-    <dgm:fillClrLst meth="repeat">
-      <a:schemeClr val="accent1">
-        <a:alpha val="90000"/>
-        <a:tint val="40000"/>
-      </a:schemeClr>
-    </dgm:fillClrLst>
-    <dgm:linClrLst meth="repeat">
-      <a:schemeClr val="accent1"/>
-    </dgm:linClrLst>
-    <dgm:effectClrLst/>
-    <dgm:txLinClrLst/>
-    <dgm:txFillClrLst meth="repeat">
-      <a:schemeClr val="dk1"/>
-    </dgm:txFillClrLst>
-    <dgm:txEffectClrLst/>
-  </dgm:styleLbl>
-  <dgm:styleLbl name="trAlignAcc1">
-    <dgm:fillClrLst meth="repeat">
-      <a:schemeClr val="accent1">
-        <a:alpha val="40000"/>
-        <a:tint val="40000"/>
-      </a:schemeClr>
-    </dgm:fillClrLst>
-    <dgm:linClrLst meth="repeat">
-      <a:schemeClr val="accent1"/>
-    </dgm:linClrLst>
-    <dgm:effectClrLst/>
-    <dgm:txLinClrLst/>
-    <dgm:txFillClrLst meth="repeat">
-      <a:schemeClr val="dk1"/>
-    </dgm:txFillClrLst>
-    <dgm:txEffectClrLst/>
-  </dgm:styleLbl>
-  <dgm:styleLbl name="bgAcc1">
-    <dgm:fillClrLst meth="repeat">
-      <a:schemeClr val="accent1">
-        <a:alpha val="90000"/>
-        <a:tint val="40000"/>
-      </a:schemeClr>
-    </dgm:fillClrLst>
-    <dgm:linClrLst meth="repeat">
-      <a:schemeClr val="accent1"/>
-    </dgm:linClrLst>
-    <dgm:effectClrLst/>
-    <dgm:txLinClrLst/>
-    <dgm:txFillClrLst meth="repeat">
-      <a:schemeClr val="dk1"/>
-    </dgm:txFillClrLst>
-    <dgm:txEffectClrLst/>
-  </dgm:styleLbl>
-  <dgm:styleLbl name="solidFgAcc1">
-    <dgm:fillClrLst meth="repeat">
-      <a:schemeClr val="lt1"/>
-    </dgm:fillClrLst>
-    <dgm:linClrLst meth="repeat">
-      <a:schemeClr val="accent1"/>
-    </dgm:linClrLst>
-    <dgm:effectClrLst/>
-    <dgm:txLinClrLst/>
-    <dgm:txFillClrLst meth="repeat">
-      <a:schemeClr val="dk1"/>
-    </dgm:txFillClrLst>
-    <dgm:txEffectClrLst/>
-  </dgm:styleLbl>
-  <dgm:styleLbl name="solidAlignAcc1">
-    <dgm:fillClrLst meth="repeat">
-      <a:schemeClr val="lt1"/>
-    </dgm:fillClrLst>
-    <dgm:linClrLst meth="repeat">
-      <a:schemeClr val="accent1"/>
-    </dgm:linClrLst>
-    <dgm:effectClrLst/>
-    <dgm:txLinClrLst/>
-    <dgm:txFillClrLst meth="repeat">
-      <a:schemeClr val="dk1"/>
-    </dgm:txFillClrLst>
-    <dgm:txEffectClrLst/>
-  </dgm:styleLbl>
-  <dgm:styleLbl name="solidBgAcc1">
-    <dgm:fillClrLst meth="repeat">
-      <a:schemeClr val="lt1"/>
-    </dgm:fillClrLst>
-    <dgm:linClrLst meth="repeat">
-      <a:schemeClr val="accent1"/>
-    </dgm:linClrLst>
-    <dgm:effectClrLst/>
-    <dgm:txLinClrLst/>
-    <dgm:txFillClrLst meth="repeat">
-      <a:schemeClr val="dk1"/>
-    </dgm:txFillClrLst>
-    <dgm:txEffectClrLst/>
-  </dgm:styleLbl>
-  <dgm:styleLbl name="fgAccFollowNode1">
-    <dgm:fillClrLst meth="repeat">
-      <a:schemeClr val="lt1">
-        <a:alpha val="90000"/>
-        <a:tint val="40000"/>
-      </a:schemeClr>
-    </dgm:fillClrLst>
-    <dgm:linClrLst meth="repeat">
-      <a:schemeClr val="accent1">
-        <a:alpha val="90000"/>
-      </a:schemeClr>
-    </dgm:linClrLst>
-    <dgm:effectClrLst/>
-    <dgm:txLinClrLst/>
-    <dgm:txFillClrLst meth="repeat">
-      <a:schemeClr val="dk1"/>
-    </dgm:txFillClrLst>
-    <dgm:txEffectClrLst/>
-  </dgm:styleLbl>
-  <dgm:styleLbl name="alignAccFollowNode1">
-    <dgm:fillClrLst meth="repeat">
-      <a:schemeClr val="lt1">
-        <a:alpha val="90000"/>
-        <a:tint val="40000"/>
-      </a:schemeClr>
-    </dgm:fillClrLst>
-    <dgm:linClrLst meth="repeat">
-      <a:schemeClr val="accent1">
-        <a:alpha val="90000"/>
-      </a:schemeClr>
-    </dgm:linClrLst>
-    <dgm:effectClrLst/>
-    <dgm:txLinClrLst/>
-    <dgm:txFillClrLst meth="repeat">
-      <a:schemeClr val="dk1"/>
-    </dgm:txFillClrLst>
-    <dgm:txEffectClrLst/>
-  </dgm:styleLbl>
-  <dgm:styleLbl name="bgAccFollowNode1">
-    <dgm:fillClrLst meth="repeat">
-      <a:schemeClr val="lt1">
-        <a:alpha val="90000"/>
-        <a:tint val="40000"/>
-      </a:schemeClr>
-    </dgm:fillClrLst>
-    <dgm:linClrLst meth="repeat">
-      <a:schemeClr val="accent1">
-        <a:alpha val="90000"/>
-      </a:schemeClr>
-    </dgm:linClrLst>
-    <dgm:effectClrLst/>
-    <dgm:txLinClrLst/>
-    <dgm:txFillClrLst meth="repeat">
-      <a:schemeClr val="dk1"/>
-    </dgm:txFillClrLst>
-    <dgm:txEffectClrLst/>
-  </dgm:styleLbl>
-  <dgm:styleLbl name="fgAcc0">
-    <dgm:fillClrLst meth="repeat">
-      <a:schemeClr val="accent1">
-        <a:alpha val="90000"/>
-        <a:tint val="40000"/>
-      </a:schemeClr>
-    </dgm:fillClrLst>
-    <dgm:linClrLst meth="repeat">
-      <a:schemeClr val="accent1"/>
-    </dgm:linClrLst>
-    <dgm:effectClrLst/>
-    <dgm:txLinClrLst/>
-    <dgm:txFillClrLst meth="repeat">
-      <a:schemeClr val="dk1"/>
-    </dgm:txFillClrLst>
-    <dgm:txEffectClrLst/>
-  </dgm:styleLbl>
-  <dgm:styleLbl name="fgAcc2">
-    <dgm:fillClrLst meth="repeat">
-      <a:schemeClr val="accent1">
-        <a:alpha val="90000"/>
-        <a:tint val="40000"/>
-      </a:schemeClr>
-    </dgm:fillClrLst>
-    <dgm:linClrLst meth="repeat">
-      <a:schemeClr val="accent1"/>
-    </dgm:linClrLst>
-    <dgm:effectClrLst/>
-    <dgm:txLinClrLst/>
-    <dgm:txFillClrLst meth="repeat">
-      <a:schemeClr val="dk1"/>
-    </dgm:txFillClrLst>
-    <dgm:txEffectClrLst/>
-  </dgm:styleLbl>
-  <dgm:styleLbl name="fgAcc3">
-    <dgm:fillClrLst meth="repeat">
-      <a:schemeClr val="accent1">
-        <a:alpha val="90000"/>
-        <a:tint val="40000"/>
-      </a:schemeClr>
-    </dgm:fillClrLst>
-    <dgm:linClrLst meth="repeat">
-      <a:schemeClr val="accent1"/>
-    </dgm:linClrLst>
-    <dgm:effectClrLst/>
-    <dgm:txLinClrLst/>
-    <dgm:txFillClrLst meth="repeat">
-      <a:schemeClr val="dk1"/>
-    </dgm:txFillClrLst>
-    <dgm:txEffectClrLst/>
-  </dgm:styleLbl>
-  <dgm:styleLbl name="fgAcc4">
-    <dgm:fillClrLst meth="repeat">
-      <a:schemeClr val="accent1">
-        <a:alpha val="90000"/>
-        <a:tint val="40000"/>
-      </a:schemeClr>
-    </dgm:fillClrLst>
-    <dgm:linClrLst meth="repeat">
-      <a:schemeClr val="accent1"/>
-    </dgm:linClrLst>
-    <dgm:effectClrLst/>
-    <dgm:txLinClrLst/>
-    <dgm:txFillClrLst meth="repeat">
-      <a:schemeClr val="dk1"/>
-    </dgm:txFillClrLst>
-    <dgm:txEffectClrLst/>
-  </dgm:styleLbl>
-  <dgm:styleLbl name="bgShp">
-    <dgm:fillClrLst meth="repeat">
-      <a:schemeClr val="accent1">
-        <a:tint val="40000"/>
-      </a:schemeClr>
-    </dgm:fillClrLst>
-    <dgm:linClrLst meth="repeat">
-      <a:schemeClr val="accent1"/>
-    </dgm:linClrLst>
-    <dgm:effectClrLst/>
-    <dgm:txLinClrLst/>
-    <dgm:txFillClrLst meth="repeat">
-      <a:schemeClr val="dk1"/>
-    </dgm:txFillClrLst>
-    <dgm:txEffectClrLst/>
-  </dgm:styleLbl>
-  <dgm:styleLbl name="dkBgShp">
-    <dgm:fillClrLst meth="repeat">
-      <a:schemeClr val="accent1">
-        <a:shade val="80000"/>
-      </a:schemeClr>
-    </dgm:fillClrLst>
-    <dgm:linClrLst meth="repeat">
-      <a:schemeClr val="accent1"/>
-    </dgm:linClrLst>
-    <dgm:effectClrLst/>
-    <dgm:txLinClrLst/>
-    <dgm:txFillClrLst meth="repeat">
-      <a:schemeClr val="lt1"/>
-    </dgm:txFillClrLst>
-    <dgm:txEffectClrLst/>
-  </dgm:styleLbl>
-  <dgm:styleLbl name="trBgShp">
-    <dgm:fillClrLst meth="repeat">
-      <a:schemeClr val="accent1">
-        <a:tint val="50000"/>
-        <a:alpha val="40000"/>
-      </a:schemeClr>
-    </dgm:fillClrLst>
-    <dgm:linClrLst meth="repeat">
-      <a:schemeClr val="accent1"/>
-    </dgm:linClrLst>
-    <dgm:effectClrLst/>
-    <dgm:txLinClrLst/>
-    <dgm:txFillClrLst meth="repeat">
-      <a:schemeClr val="lt1"/>
-    </dgm:txFillClrLst>
-    <dgm:txEffectClrLst/>
-  </dgm:styleLbl>
-  <dgm:styleLbl name="fgShp">
-    <dgm:fillClrLst meth="repeat">
-      <a:schemeClr val="accent1">
-        <a:tint val="60000"/>
-      </a:schemeClr>
-    </dgm:fillClrLst>
-    <dgm:linClrLst meth="repeat">
-      <a:schemeClr val="lt1"/>
-    </dgm:linClrLst>
-    <dgm:effectClrLst/>
-    <dgm:txLinClrLst/>
-    <dgm:txFillClrLst meth="repeat">
-      <a:schemeClr val="dk1"/>
-    </dgm:txFillClrLst>
-    <dgm:txEffectClrLst/>
-  </dgm:styleLbl>
-  <dgm:styleLbl name="revTx">
-    <dgm:fillClrLst meth="repeat">
-      <a:schemeClr val="lt1">
-        <a:alpha val="0"/>
-      </a:schemeClr>
-    </dgm:fillClrLst>
-    <dgm:linClrLst meth="repeat">
-      <a:schemeClr val="dk1">
-        <a:alpha val="0"/>
-      </a:schemeClr>
-    </dgm:linClrLst>
-    <dgm:effectClrLst/>
-    <dgm:txLinClrLst/>
-    <dgm:txFillClrLst meth="repeat">
-      <a:schemeClr val="tx1"/>
-    </dgm:txFillClrLst>
-    <dgm:txEffectClrLst/>
-  </dgm:styleLbl>
-</dgm:colorsDef>
-</file>
-
-<file path=ppt/diagrams/colors3.xml><?xml version="1.0" encoding="utf-8"?>
 <dgm:colorsDef xmlns:dgm="http://schemas.openxmlformats.org/drawingml/2006/diagram" xmlns:a="http://schemas.openxmlformats.org/drawingml/2006/main" uniqueId="urn:microsoft.com/office/officeart/2005/8/colors/colorful3">
   <dgm:title val=""/>
   <dgm:desc val=""/>
@@ -3174,453 +2367,6 @@
 <file path=ppt/diagrams/data2.xml><?xml version="1.0" encoding="utf-8"?>
 <dgm:dataModel xmlns:dgm="http://schemas.openxmlformats.org/drawingml/2006/diagram" xmlns:a="http://schemas.openxmlformats.org/drawingml/2006/main">
   <dgm:ptLst>
-    <dgm:pt modelId="{0974C8D9-7288-4384-AF70-6240D9113888}" type="doc">
-      <dgm:prSet loTypeId="urn:microsoft.com/office/officeart/2005/8/layout/vList2" loCatId="list" qsTypeId="urn:microsoft.com/office/officeart/2005/8/quickstyle/3d1" qsCatId="3D" csTypeId="urn:microsoft.com/office/officeart/2005/8/colors/accent1_1" csCatId="accent1" phldr="1"/>
-      <dgm:spPr/>
-      <dgm:t>
-        <a:bodyPr/>
-        <a:lstStyle/>
-        <a:p>
-          <a:endParaRPr lang="en-US"/>
-        </a:p>
-      </dgm:t>
-    </dgm:pt>
-    <dgm:pt modelId="{CF6B33CF-F858-49CE-A286-BDCE4868B894}">
-      <dgm:prSet/>
-      <dgm:spPr>
-        <a:solidFill>
-          <a:schemeClr val="accent6">
-            <a:lumMod val="40000"/>
-            <a:lumOff val="60000"/>
-          </a:schemeClr>
-        </a:solidFill>
-        <a:ln>
-          <a:solidFill>
-            <a:schemeClr val="accent6">
-              <a:lumMod val="50000"/>
-            </a:schemeClr>
-          </a:solidFill>
-        </a:ln>
-      </dgm:spPr>
-      <dgm:t>
-        <a:bodyPr/>
-        <a:lstStyle/>
-        <a:p>
-          <a:r>
-            <a:rPr lang="en-US"/>
-            <a:t>Users: Buyer/Seller/Real estate agent</a:t>
-          </a:r>
-        </a:p>
-      </dgm:t>
-    </dgm:pt>
-    <dgm:pt modelId="{F7D3B0EF-2E2B-40BA-BD6D-2BAA0663B421}" type="parTrans" cxnId="{55F25B2A-4F48-4E2F-8A05-2077EE345575}">
-      <dgm:prSet/>
-      <dgm:spPr/>
-      <dgm:t>
-        <a:bodyPr/>
-        <a:lstStyle/>
-        <a:p>
-          <a:endParaRPr lang="en-US"/>
-        </a:p>
-      </dgm:t>
-    </dgm:pt>
-    <dgm:pt modelId="{E407999E-EAF6-4E3E-BF34-AA71A16FFC80}" type="sibTrans" cxnId="{55F25B2A-4F48-4E2F-8A05-2077EE345575}">
-      <dgm:prSet/>
-      <dgm:spPr/>
-      <dgm:t>
-        <a:bodyPr/>
-        <a:lstStyle/>
-        <a:p>
-          <a:endParaRPr lang="en-US"/>
-        </a:p>
-      </dgm:t>
-    </dgm:pt>
-    <dgm:pt modelId="{267BBDCE-07D8-4865-8D92-8FFB3ACD0F75}">
-      <dgm:prSet/>
-      <dgm:spPr>
-        <a:solidFill>
-          <a:schemeClr val="accent6">
-            <a:lumMod val="40000"/>
-            <a:lumOff val="60000"/>
-          </a:schemeClr>
-        </a:solidFill>
-        <a:ln>
-          <a:solidFill>
-            <a:schemeClr val="accent6">
-              <a:lumMod val="50000"/>
-            </a:schemeClr>
-          </a:solidFill>
-        </a:ln>
-      </dgm:spPr>
-      <dgm:t>
-        <a:bodyPr/>
-        <a:lstStyle/>
-        <a:p>
-          <a:r>
-            <a:rPr lang="en-US"/>
-            <a:t>User can input </a:t>
-          </a:r>
-        </a:p>
-      </dgm:t>
-    </dgm:pt>
-    <dgm:pt modelId="{7C844FA8-FF98-4CB5-AA81-6D8A968A9E7E}" type="parTrans" cxnId="{B5588F93-5130-4CDB-89B5-2708FBF1E1BA}">
-      <dgm:prSet/>
-      <dgm:spPr/>
-      <dgm:t>
-        <a:bodyPr/>
-        <a:lstStyle/>
-        <a:p>
-          <a:endParaRPr lang="en-US"/>
-        </a:p>
-      </dgm:t>
-    </dgm:pt>
-    <dgm:pt modelId="{569DE5E3-5F9E-4584-8BE9-AEFE0F7C12B2}" type="sibTrans" cxnId="{B5588F93-5130-4CDB-89B5-2708FBF1E1BA}">
-      <dgm:prSet/>
-      <dgm:spPr/>
-      <dgm:t>
-        <a:bodyPr/>
-        <a:lstStyle/>
-        <a:p>
-          <a:endParaRPr lang="en-US"/>
-        </a:p>
-      </dgm:t>
-    </dgm:pt>
-    <dgm:pt modelId="{388E92C0-BD17-4431-9985-B8F1B7D8EC1A}">
-      <dgm:prSet/>
-      <dgm:spPr/>
-      <dgm:t>
-        <a:bodyPr/>
-        <a:lstStyle/>
-        <a:p>
-          <a:pPr>
-            <a:buFont typeface="Courier New" panose="02070309020205020404" pitchFamily="49" charset="0"/>
-            <a:buChar char="o"/>
-          </a:pPr>
-          <a:r>
-            <a:rPr lang="en-US" dirty="0"/>
-            <a:t>Location</a:t>
-          </a:r>
-        </a:p>
-      </dgm:t>
-    </dgm:pt>
-    <dgm:pt modelId="{4F168E72-4ED5-4C1B-8E05-A4459BD17E48}" type="parTrans" cxnId="{0D074F00-AE1B-4217-A30A-F7BCEE024EF9}">
-      <dgm:prSet/>
-      <dgm:spPr/>
-      <dgm:t>
-        <a:bodyPr/>
-        <a:lstStyle/>
-        <a:p>
-          <a:endParaRPr lang="en-US"/>
-        </a:p>
-      </dgm:t>
-    </dgm:pt>
-    <dgm:pt modelId="{4948DB2B-7824-4933-86F1-94CEE4AD3768}" type="sibTrans" cxnId="{0D074F00-AE1B-4217-A30A-F7BCEE024EF9}">
-      <dgm:prSet/>
-      <dgm:spPr/>
-      <dgm:t>
-        <a:bodyPr/>
-        <a:lstStyle/>
-        <a:p>
-          <a:endParaRPr lang="en-US"/>
-        </a:p>
-      </dgm:t>
-    </dgm:pt>
-    <dgm:pt modelId="{35B6DF7D-ABDA-465F-B47B-C1D811D9729E}">
-      <dgm:prSet/>
-      <dgm:spPr/>
-      <dgm:t>
-        <a:bodyPr/>
-        <a:lstStyle/>
-        <a:p>
-          <a:pPr>
-            <a:buFont typeface="Courier New" panose="02070309020205020404" pitchFamily="49" charset="0"/>
-            <a:buChar char="o"/>
-          </a:pPr>
-          <a:r>
-            <a:rPr lang="en-US" dirty="0"/>
-            <a:t>Number of Bedroom</a:t>
-          </a:r>
-        </a:p>
-      </dgm:t>
-    </dgm:pt>
-    <dgm:pt modelId="{FC5E42A1-8324-4170-8FFB-DF9F634F8DDF}" type="parTrans" cxnId="{3FBF3F34-81B1-4ED6-89E2-341C788CC1E5}">
-      <dgm:prSet/>
-      <dgm:spPr/>
-      <dgm:t>
-        <a:bodyPr/>
-        <a:lstStyle/>
-        <a:p>
-          <a:endParaRPr lang="en-US"/>
-        </a:p>
-      </dgm:t>
-    </dgm:pt>
-    <dgm:pt modelId="{07AA347E-3A37-4F3A-9081-160F24A5B894}" type="sibTrans" cxnId="{3FBF3F34-81B1-4ED6-89E2-341C788CC1E5}">
-      <dgm:prSet/>
-      <dgm:spPr/>
-      <dgm:t>
-        <a:bodyPr/>
-        <a:lstStyle/>
-        <a:p>
-          <a:endParaRPr lang="en-US"/>
-        </a:p>
-      </dgm:t>
-    </dgm:pt>
-    <dgm:pt modelId="{9F8EA78B-DB11-43A0-B78E-960949E17CE7}">
-      <dgm:prSet/>
-      <dgm:spPr/>
-      <dgm:t>
-        <a:bodyPr/>
-        <a:lstStyle/>
-        <a:p>
-          <a:pPr>
-            <a:buFont typeface="Courier New" panose="02070309020205020404" pitchFamily="49" charset="0"/>
-            <a:buChar char="o"/>
-          </a:pPr>
-          <a:r>
-            <a:rPr lang="en-US" dirty="0"/>
-            <a:t>Number of Bathrooms</a:t>
-          </a:r>
-        </a:p>
-      </dgm:t>
-    </dgm:pt>
-    <dgm:pt modelId="{C050DBFF-FE3F-45C8-93B3-F7300159FFC7}" type="parTrans" cxnId="{861B91C7-6E76-4C96-8908-91801B640A3F}">
-      <dgm:prSet/>
-      <dgm:spPr/>
-      <dgm:t>
-        <a:bodyPr/>
-        <a:lstStyle/>
-        <a:p>
-          <a:endParaRPr lang="en-US"/>
-        </a:p>
-      </dgm:t>
-    </dgm:pt>
-    <dgm:pt modelId="{AA6EE736-934A-4F02-A10D-1B954A26F0EA}" type="sibTrans" cxnId="{861B91C7-6E76-4C96-8908-91801B640A3F}">
-      <dgm:prSet/>
-      <dgm:spPr/>
-      <dgm:t>
-        <a:bodyPr/>
-        <a:lstStyle/>
-        <a:p>
-          <a:endParaRPr lang="en-US"/>
-        </a:p>
-      </dgm:t>
-    </dgm:pt>
-    <dgm:pt modelId="{129480AB-D6E6-45EE-90D2-9EF142471728}">
-      <dgm:prSet/>
-      <dgm:spPr/>
-      <dgm:t>
-        <a:bodyPr/>
-        <a:lstStyle/>
-        <a:p>
-          <a:pPr>
-            <a:buFont typeface="Courier New" panose="02070309020205020404" pitchFamily="49" charset="0"/>
-            <a:buChar char="o"/>
-          </a:pPr>
-          <a:r>
-            <a:rPr lang="en-US" dirty="0"/>
-            <a:t>Pool</a:t>
-          </a:r>
-        </a:p>
-      </dgm:t>
-    </dgm:pt>
-    <dgm:pt modelId="{4A915493-F1E0-407A-A4CF-20F899F3420F}" type="parTrans" cxnId="{C863A1B3-FEDF-46B3-A50B-C283E31932AD}">
-      <dgm:prSet/>
-      <dgm:spPr/>
-      <dgm:t>
-        <a:bodyPr/>
-        <a:lstStyle/>
-        <a:p>
-          <a:endParaRPr lang="en-US"/>
-        </a:p>
-      </dgm:t>
-    </dgm:pt>
-    <dgm:pt modelId="{8215EAD9-FD24-489A-ABF9-988436FCB8AA}" type="sibTrans" cxnId="{C863A1B3-FEDF-46B3-A50B-C283E31932AD}">
-      <dgm:prSet/>
-      <dgm:spPr/>
-      <dgm:t>
-        <a:bodyPr/>
-        <a:lstStyle/>
-        <a:p>
-          <a:endParaRPr lang="en-US"/>
-        </a:p>
-      </dgm:t>
-    </dgm:pt>
-    <dgm:pt modelId="{DA0232FB-57E1-47A7-853C-7292F8F51B96}">
-      <dgm:prSet/>
-      <dgm:spPr/>
-      <dgm:t>
-        <a:bodyPr/>
-        <a:lstStyle/>
-        <a:p>
-          <a:pPr>
-            <a:buFont typeface="Courier New" panose="02070309020205020404" pitchFamily="49" charset="0"/>
-            <a:buChar char="o"/>
-          </a:pPr>
-          <a:r>
-            <a:rPr lang="en-US" dirty="0"/>
-            <a:t>Garage and more</a:t>
-          </a:r>
-        </a:p>
-      </dgm:t>
-    </dgm:pt>
-    <dgm:pt modelId="{0BC008A0-78B1-4746-9F1D-DE31B92F2850}" type="parTrans" cxnId="{DEC2726B-CA03-4760-9087-4BC11D412CDC}">
-      <dgm:prSet/>
-      <dgm:spPr/>
-      <dgm:t>
-        <a:bodyPr/>
-        <a:lstStyle/>
-        <a:p>
-          <a:endParaRPr lang="en-US"/>
-        </a:p>
-      </dgm:t>
-    </dgm:pt>
-    <dgm:pt modelId="{783A795D-0E37-4F0F-8CD7-F87ED9DCCD9B}" type="sibTrans" cxnId="{DEC2726B-CA03-4760-9087-4BC11D412CDC}">
-      <dgm:prSet/>
-      <dgm:spPr/>
-      <dgm:t>
-        <a:bodyPr/>
-        <a:lstStyle/>
-        <a:p>
-          <a:endParaRPr lang="en-US"/>
-        </a:p>
-      </dgm:t>
-    </dgm:pt>
-    <dgm:pt modelId="{D1CC3565-6115-4AD6-9D05-4B9CE3B35076}">
-      <dgm:prSet/>
-      <dgm:spPr>
-        <a:solidFill>
-          <a:schemeClr val="accent6">
-            <a:lumMod val="40000"/>
-            <a:lumOff val="60000"/>
-          </a:schemeClr>
-        </a:solidFill>
-        <a:ln>
-          <a:solidFill>
-            <a:schemeClr val="accent6">
-              <a:lumMod val="50000"/>
-            </a:schemeClr>
-          </a:solidFill>
-        </a:ln>
-      </dgm:spPr>
-      <dgm:t>
-        <a:bodyPr/>
-        <a:lstStyle/>
-        <a:p>
-          <a:r>
-            <a:rPr lang="en-US" dirty="0"/>
-            <a:t>Application will predict the sales price of the house </a:t>
-          </a:r>
-        </a:p>
-      </dgm:t>
-    </dgm:pt>
-    <dgm:pt modelId="{FF9C76F4-4236-4DA2-BB4C-BCD99AE8E2FE}" type="parTrans" cxnId="{D06E8802-9954-4142-A776-AFB90AD185FA}">
-      <dgm:prSet/>
-      <dgm:spPr/>
-      <dgm:t>
-        <a:bodyPr/>
-        <a:lstStyle/>
-        <a:p>
-          <a:endParaRPr lang="en-US"/>
-        </a:p>
-      </dgm:t>
-    </dgm:pt>
-    <dgm:pt modelId="{3CEA81D7-32E5-4065-8A89-6F23F8E92231}" type="sibTrans" cxnId="{D06E8802-9954-4142-A776-AFB90AD185FA}">
-      <dgm:prSet/>
-      <dgm:spPr/>
-      <dgm:t>
-        <a:bodyPr/>
-        <a:lstStyle/>
-        <a:p>
-          <a:endParaRPr lang="en-US"/>
-        </a:p>
-      </dgm:t>
-    </dgm:pt>
-    <dgm:pt modelId="{F8D44754-8FCC-473E-8F2A-25C85B1A8CB6}" type="pres">
-      <dgm:prSet presAssocID="{0974C8D9-7288-4384-AF70-6240D9113888}" presName="linear" presStyleCnt="0">
-        <dgm:presLayoutVars>
-          <dgm:animLvl val="lvl"/>
-          <dgm:resizeHandles val="exact"/>
-        </dgm:presLayoutVars>
-      </dgm:prSet>
-      <dgm:spPr/>
-    </dgm:pt>
-    <dgm:pt modelId="{9714661D-9EE4-49E4-8ADC-1B64F8F41201}" type="pres">
-      <dgm:prSet presAssocID="{CF6B33CF-F858-49CE-A286-BDCE4868B894}" presName="parentText" presStyleLbl="node1" presStyleIdx="0" presStyleCnt="3">
-        <dgm:presLayoutVars>
-          <dgm:chMax val="0"/>
-          <dgm:bulletEnabled val="1"/>
-        </dgm:presLayoutVars>
-      </dgm:prSet>
-      <dgm:spPr/>
-    </dgm:pt>
-    <dgm:pt modelId="{627E891E-EE4F-4E94-A5E5-96B94770E551}" type="pres">
-      <dgm:prSet presAssocID="{E407999E-EAF6-4E3E-BF34-AA71A16FFC80}" presName="spacer" presStyleCnt="0"/>
-      <dgm:spPr/>
-    </dgm:pt>
-    <dgm:pt modelId="{BF25F9D7-5751-4694-AD5E-BE57B84B35F4}" type="pres">
-      <dgm:prSet presAssocID="{267BBDCE-07D8-4865-8D92-8FFB3ACD0F75}" presName="parentText" presStyleLbl="node1" presStyleIdx="1" presStyleCnt="3">
-        <dgm:presLayoutVars>
-          <dgm:chMax val="0"/>
-          <dgm:bulletEnabled val="1"/>
-        </dgm:presLayoutVars>
-      </dgm:prSet>
-      <dgm:spPr/>
-    </dgm:pt>
-    <dgm:pt modelId="{70D9E8B9-27E7-486B-B87D-DBAA7DFAF368}" type="pres">
-      <dgm:prSet presAssocID="{267BBDCE-07D8-4865-8D92-8FFB3ACD0F75}" presName="childText" presStyleLbl="revTx" presStyleIdx="0" presStyleCnt="1">
-        <dgm:presLayoutVars>
-          <dgm:bulletEnabled val="1"/>
-        </dgm:presLayoutVars>
-      </dgm:prSet>
-      <dgm:spPr/>
-    </dgm:pt>
-    <dgm:pt modelId="{AEBD6EA6-1656-42F3-A210-9B79058C13C1}" type="pres">
-      <dgm:prSet presAssocID="{D1CC3565-6115-4AD6-9D05-4B9CE3B35076}" presName="parentText" presStyleLbl="node1" presStyleIdx="2" presStyleCnt="3">
-        <dgm:presLayoutVars>
-          <dgm:chMax val="0"/>
-          <dgm:bulletEnabled val="1"/>
-        </dgm:presLayoutVars>
-      </dgm:prSet>
-      <dgm:spPr/>
-    </dgm:pt>
-  </dgm:ptLst>
-  <dgm:cxnLst>
-    <dgm:cxn modelId="{0D074F00-AE1B-4217-A30A-F7BCEE024EF9}" srcId="{267BBDCE-07D8-4865-8D92-8FFB3ACD0F75}" destId="{388E92C0-BD17-4431-9985-B8F1B7D8EC1A}" srcOrd="0" destOrd="0" parTransId="{4F168E72-4ED5-4C1B-8E05-A4459BD17E48}" sibTransId="{4948DB2B-7824-4933-86F1-94CEE4AD3768}"/>
-    <dgm:cxn modelId="{D06E8802-9954-4142-A776-AFB90AD185FA}" srcId="{0974C8D9-7288-4384-AF70-6240D9113888}" destId="{D1CC3565-6115-4AD6-9D05-4B9CE3B35076}" srcOrd="2" destOrd="0" parTransId="{FF9C76F4-4236-4DA2-BB4C-BCD99AE8E2FE}" sibTransId="{3CEA81D7-32E5-4065-8A89-6F23F8E92231}"/>
-    <dgm:cxn modelId="{55F25B2A-4F48-4E2F-8A05-2077EE345575}" srcId="{0974C8D9-7288-4384-AF70-6240D9113888}" destId="{CF6B33CF-F858-49CE-A286-BDCE4868B894}" srcOrd="0" destOrd="0" parTransId="{F7D3B0EF-2E2B-40BA-BD6D-2BAA0663B421}" sibTransId="{E407999E-EAF6-4E3E-BF34-AA71A16FFC80}"/>
-    <dgm:cxn modelId="{3FBF3F34-81B1-4ED6-89E2-341C788CC1E5}" srcId="{267BBDCE-07D8-4865-8D92-8FFB3ACD0F75}" destId="{35B6DF7D-ABDA-465F-B47B-C1D811D9729E}" srcOrd="1" destOrd="0" parTransId="{FC5E42A1-8324-4170-8FFB-DF9F634F8DDF}" sibTransId="{07AA347E-3A37-4F3A-9081-160F24A5B894}"/>
-    <dgm:cxn modelId="{DEC2726B-CA03-4760-9087-4BC11D412CDC}" srcId="{267BBDCE-07D8-4865-8D92-8FFB3ACD0F75}" destId="{DA0232FB-57E1-47A7-853C-7292F8F51B96}" srcOrd="4" destOrd="0" parTransId="{0BC008A0-78B1-4746-9F1D-DE31B92F2850}" sibTransId="{783A795D-0E37-4F0F-8CD7-F87ED9DCCD9B}"/>
-    <dgm:cxn modelId="{90E5BE4C-3B6A-462D-82BB-CE996D9D6CE8}" type="presOf" srcId="{D1CC3565-6115-4AD6-9D05-4B9CE3B35076}" destId="{AEBD6EA6-1656-42F3-A210-9B79058C13C1}" srcOrd="0" destOrd="0" presId="urn:microsoft.com/office/officeart/2005/8/layout/vList2"/>
-    <dgm:cxn modelId="{74887278-2A5D-4359-8DE5-5F5EAF06EC16}" type="presOf" srcId="{CF6B33CF-F858-49CE-A286-BDCE4868B894}" destId="{9714661D-9EE4-49E4-8ADC-1B64F8F41201}" srcOrd="0" destOrd="0" presId="urn:microsoft.com/office/officeart/2005/8/layout/vList2"/>
-    <dgm:cxn modelId="{4559AA7F-DBA9-4389-953A-A2162328F4FF}" type="presOf" srcId="{DA0232FB-57E1-47A7-853C-7292F8F51B96}" destId="{70D9E8B9-27E7-486B-B87D-DBAA7DFAF368}" srcOrd="0" destOrd="4" presId="urn:microsoft.com/office/officeart/2005/8/layout/vList2"/>
-    <dgm:cxn modelId="{4FFFA988-8230-428E-87CB-9E484C1953AA}" type="presOf" srcId="{35B6DF7D-ABDA-465F-B47B-C1D811D9729E}" destId="{70D9E8B9-27E7-486B-B87D-DBAA7DFAF368}" srcOrd="0" destOrd="1" presId="urn:microsoft.com/office/officeart/2005/8/layout/vList2"/>
-    <dgm:cxn modelId="{B5588F93-5130-4CDB-89B5-2708FBF1E1BA}" srcId="{0974C8D9-7288-4384-AF70-6240D9113888}" destId="{267BBDCE-07D8-4865-8D92-8FFB3ACD0F75}" srcOrd="1" destOrd="0" parTransId="{7C844FA8-FF98-4CB5-AA81-6D8A968A9E7E}" sibTransId="{569DE5E3-5F9E-4584-8BE9-AEFE0F7C12B2}"/>
-    <dgm:cxn modelId="{014E1395-102E-48D9-A03D-CB3C7A52FE80}" type="presOf" srcId="{267BBDCE-07D8-4865-8D92-8FFB3ACD0F75}" destId="{BF25F9D7-5751-4694-AD5E-BE57B84B35F4}" srcOrd="0" destOrd="0" presId="urn:microsoft.com/office/officeart/2005/8/layout/vList2"/>
-    <dgm:cxn modelId="{C863A1B3-FEDF-46B3-A50B-C283E31932AD}" srcId="{267BBDCE-07D8-4865-8D92-8FFB3ACD0F75}" destId="{129480AB-D6E6-45EE-90D2-9EF142471728}" srcOrd="3" destOrd="0" parTransId="{4A915493-F1E0-407A-A4CF-20F899F3420F}" sibTransId="{8215EAD9-FD24-489A-ABF9-988436FCB8AA}"/>
-    <dgm:cxn modelId="{861B91C7-6E76-4C96-8908-91801B640A3F}" srcId="{267BBDCE-07D8-4865-8D92-8FFB3ACD0F75}" destId="{9F8EA78B-DB11-43A0-B78E-960949E17CE7}" srcOrd="2" destOrd="0" parTransId="{C050DBFF-FE3F-45C8-93B3-F7300159FFC7}" sibTransId="{AA6EE736-934A-4F02-A10D-1B954A26F0EA}"/>
-    <dgm:cxn modelId="{E8CC91CB-74C9-44E4-B518-61D154172B49}" type="presOf" srcId="{388E92C0-BD17-4431-9985-B8F1B7D8EC1A}" destId="{70D9E8B9-27E7-486B-B87D-DBAA7DFAF368}" srcOrd="0" destOrd="0" presId="urn:microsoft.com/office/officeart/2005/8/layout/vList2"/>
-    <dgm:cxn modelId="{C1D6F3CF-7462-4198-8B67-C6F1C7A4452E}" type="presOf" srcId="{9F8EA78B-DB11-43A0-B78E-960949E17CE7}" destId="{70D9E8B9-27E7-486B-B87D-DBAA7DFAF368}" srcOrd="0" destOrd="2" presId="urn:microsoft.com/office/officeart/2005/8/layout/vList2"/>
-    <dgm:cxn modelId="{248133DE-CA2B-44D5-836E-4497C0E7D6DB}" type="presOf" srcId="{129480AB-D6E6-45EE-90D2-9EF142471728}" destId="{70D9E8B9-27E7-486B-B87D-DBAA7DFAF368}" srcOrd="0" destOrd="3" presId="urn:microsoft.com/office/officeart/2005/8/layout/vList2"/>
-    <dgm:cxn modelId="{5985F9FE-8889-480D-9511-13F5E34D0750}" type="presOf" srcId="{0974C8D9-7288-4384-AF70-6240D9113888}" destId="{F8D44754-8FCC-473E-8F2A-25C85B1A8CB6}" srcOrd="0" destOrd="0" presId="urn:microsoft.com/office/officeart/2005/8/layout/vList2"/>
-    <dgm:cxn modelId="{31FDCE6E-CF25-4125-AA8E-C1C0B05F7D4E}" type="presParOf" srcId="{F8D44754-8FCC-473E-8F2A-25C85B1A8CB6}" destId="{9714661D-9EE4-49E4-8ADC-1B64F8F41201}" srcOrd="0" destOrd="0" presId="urn:microsoft.com/office/officeart/2005/8/layout/vList2"/>
-    <dgm:cxn modelId="{FEAB4B41-99A3-4F31-B120-D28886AFB394}" type="presParOf" srcId="{F8D44754-8FCC-473E-8F2A-25C85B1A8CB6}" destId="{627E891E-EE4F-4E94-A5E5-96B94770E551}" srcOrd="1" destOrd="0" presId="urn:microsoft.com/office/officeart/2005/8/layout/vList2"/>
-    <dgm:cxn modelId="{5985FCF3-BD78-4EEE-9D17-D36C168312AA}" type="presParOf" srcId="{F8D44754-8FCC-473E-8F2A-25C85B1A8CB6}" destId="{BF25F9D7-5751-4694-AD5E-BE57B84B35F4}" srcOrd="2" destOrd="0" presId="urn:microsoft.com/office/officeart/2005/8/layout/vList2"/>
-    <dgm:cxn modelId="{974D988D-A5AD-4C1D-AFC5-C4A498FDAF06}" type="presParOf" srcId="{F8D44754-8FCC-473E-8F2A-25C85B1A8CB6}" destId="{70D9E8B9-27E7-486B-B87D-DBAA7DFAF368}" srcOrd="3" destOrd="0" presId="urn:microsoft.com/office/officeart/2005/8/layout/vList2"/>
-    <dgm:cxn modelId="{80B94C8B-25F3-4254-B224-0CB72EB1D86F}" type="presParOf" srcId="{F8D44754-8FCC-473E-8F2A-25C85B1A8CB6}" destId="{AEBD6EA6-1656-42F3-A210-9B79058C13C1}" srcOrd="4" destOrd="0" presId="urn:microsoft.com/office/officeart/2005/8/layout/vList2"/>
-  </dgm:cxnLst>
-  <dgm:bg/>
-  <dgm:whole/>
-  <dgm:extLst>
-    <a:ext uri="http://schemas.microsoft.com/office/drawing/2008/diagram">
-      <dsp:dataModelExt xmlns:dsp="http://schemas.microsoft.com/office/drawing/2008/diagram" relId="rId7" minVer="http://schemas.openxmlformats.org/drawingml/2006/diagram"/>
-    </a:ext>
-  </dgm:extLst>
-</dgm:dataModel>
-</file>
-
-<file path=ppt/diagrams/data3.xml><?xml version="1.0" encoding="utf-8"?>
-<dgm:dataModel xmlns:dgm="http://schemas.openxmlformats.org/drawingml/2006/diagram" xmlns:a="http://schemas.openxmlformats.org/drawingml/2006/main">
-  <dgm:ptLst>
     <dgm:pt modelId="{A1870D25-DE71-4041-AB6D-3D6CD2AF5851}" type="doc">
       <dgm:prSet loTypeId="urn:microsoft.com/office/officeart/2005/8/layout/hProcess9" loCatId="process" qsTypeId="urn:microsoft.com/office/officeart/2005/8/quickstyle/simple3" qsCatId="simple" csTypeId="urn:microsoft.com/office/officeart/2005/8/colors/colorful3" csCatId="colorful"/>
       <dgm:spPr/>
@@ -4225,392 +2971,6 @@
 </file>
 
 <file path=ppt/diagrams/drawing2.xml><?xml version="1.0" encoding="utf-8"?>
-<dsp:drawing xmlns:dgm="http://schemas.openxmlformats.org/drawingml/2006/diagram" xmlns:dsp="http://schemas.microsoft.com/office/drawing/2008/diagram" xmlns:a="http://schemas.openxmlformats.org/drawingml/2006/main">
-  <dsp:spTree>
-    <dsp:nvGrpSpPr>
-      <dsp:cNvPr id="0" name=""/>
-      <dsp:cNvGrpSpPr/>
-    </dsp:nvGrpSpPr>
-    <dsp:grpSpPr/>
-    <dsp:sp modelId="{9714661D-9EE4-49E4-8ADC-1B64F8F41201}">
-      <dsp:nvSpPr>
-        <dsp:cNvPr id="0" name=""/>
-        <dsp:cNvSpPr/>
-      </dsp:nvSpPr>
-      <dsp:spPr>
-        <a:xfrm>
-          <a:off x="0" y="15761"/>
-          <a:ext cx="10920167" cy="863460"/>
-        </a:xfrm>
-        <a:prstGeom prst="roundRect">
-          <a:avLst/>
-        </a:prstGeom>
-        <a:solidFill>
-          <a:schemeClr val="accent6">
-            <a:lumMod val="40000"/>
-            <a:lumOff val="60000"/>
-          </a:schemeClr>
-        </a:solidFill>
-        <a:ln>
-          <a:solidFill>
-            <a:schemeClr val="accent6">
-              <a:lumMod val="50000"/>
-            </a:schemeClr>
-          </a:solidFill>
-        </a:ln>
-        <a:effectLst/>
-        <a:scene3d>
-          <a:camera prst="orthographicFront"/>
-          <a:lightRig rig="flat" dir="t"/>
-        </a:scene3d>
-        <a:sp3d prstMaterial="plastic">
-          <a:bevelT w="120900" h="88900"/>
-          <a:bevelB w="88900" h="31750" prst="angle"/>
-        </a:sp3d>
-      </dsp:spPr>
-      <dsp:style>
-        <a:lnRef idx="0">
-          <a:scrgbClr r="0" g="0" b="0"/>
-        </a:lnRef>
-        <a:fillRef idx="3">
-          <a:scrgbClr r="0" g="0" b="0"/>
-        </a:fillRef>
-        <a:effectRef idx="2">
-          <a:scrgbClr r="0" g="0" b="0"/>
-        </a:effectRef>
-        <a:fontRef idx="minor">
-          <a:schemeClr val="lt1"/>
-        </a:fontRef>
-      </dsp:style>
-      <dsp:txBody>
-        <a:bodyPr spcFirstLastPara="0" vert="horz" wrap="square" lIns="137160" tIns="137160" rIns="137160" bIns="137160" numCol="1" spcCol="1270" anchor="ctr" anchorCtr="0">
-          <a:noAutofit/>
-        </a:bodyPr>
-        <a:lstStyle/>
-        <a:p>
-          <a:pPr marL="0" lvl="0" indent="0" algn="l" defTabSz="1600200">
-            <a:lnSpc>
-              <a:spcPct val="90000"/>
-            </a:lnSpc>
-            <a:spcBef>
-              <a:spcPct val="0"/>
-            </a:spcBef>
-            <a:spcAft>
-              <a:spcPct val="35000"/>
-            </a:spcAft>
-            <a:buNone/>
-          </a:pPr>
-          <a:r>
-            <a:rPr lang="en-US" sz="3600" kern="1200"/>
-            <a:t>Users: Buyer/Seller/Real estate agent</a:t>
-          </a:r>
-        </a:p>
-      </dsp:txBody>
-      <dsp:txXfrm>
-        <a:off x="42151" y="57912"/>
-        <a:ext cx="10835865" cy="779158"/>
-      </dsp:txXfrm>
-    </dsp:sp>
-    <dsp:sp modelId="{BF25F9D7-5751-4694-AD5E-BE57B84B35F4}">
-      <dsp:nvSpPr>
-        <dsp:cNvPr id="0" name=""/>
-        <dsp:cNvSpPr/>
-      </dsp:nvSpPr>
-      <dsp:spPr>
-        <a:xfrm>
-          <a:off x="0" y="982901"/>
-          <a:ext cx="10920167" cy="863460"/>
-        </a:xfrm>
-        <a:prstGeom prst="roundRect">
-          <a:avLst/>
-        </a:prstGeom>
-        <a:solidFill>
-          <a:schemeClr val="accent6">
-            <a:lumMod val="40000"/>
-            <a:lumOff val="60000"/>
-          </a:schemeClr>
-        </a:solidFill>
-        <a:ln>
-          <a:solidFill>
-            <a:schemeClr val="accent6">
-              <a:lumMod val="50000"/>
-            </a:schemeClr>
-          </a:solidFill>
-        </a:ln>
-        <a:effectLst/>
-        <a:scene3d>
-          <a:camera prst="orthographicFront"/>
-          <a:lightRig rig="flat" dir="t"/>
-        </a:scene3d>
-        <a:sp3d prstMaterial="plastic">
-          <a:bevelT w="120900" h="88900"/>
-          <a:bevelB w="88900" h="31750" prst="angle"/>
-        </a:sp3d>
-      </dsp:spPr>
-      <dsp:style>
-        <a:lnRef idx="0">
-          <a:scrgbClr r="0" g="0" b="0"/>
-        </a:lnRef>
-        <a:fillRef idx="3">
-          <a:scrgbClr r="0" g="0" b="0"/>
-        </a:fillRef>
-        <a:effectRef idx="2">
-          <a:scrgbClr r="0" g="0" b="0"/>
-        </a:effectRef>
-        <a:fontRef idx="minor">
-          <a:schemeClr val="lt1"/>
-        </a:fontRef>
-      </dsp:style>
-      <dsp:txBody>
-        <a:bodyPr spcFirstLastPara="0" vert="horz" wrap="square" lIns="137160" tIns="137160" rIns="137160" bIns="137160" numCol="1" spcCol="1270" anchor="ctr" anchorCtr="0">
-          <a:noAutofit/>
-        </a:bodyPr>
-        <a:lstStyle/>
-        <a:p>
-          <a:pPr marL="0" lvl="0" indent="0" algn="l" defTabSz="1600200">
-            <a:lnSpc>
-              <a:spcPct val="90000"/>
-            </a:lnSpc>
-            <a:spcBef>
-              <a:spcPct val="0"/>
-            </a:spcBef>
-            <a:spcAft>
-              <a:spcPct val="35000"/>
-            </a:spcAft>
-            <a:buNone/>
-          </a:pPr>
-          <a:r>
-            <a:rPr lang="en-US" sz="3600" kern="1200"/>
-            <a:t>User can input </a:t>
-          </a:r>
-        </a:p>
-      </dsp:txBody>
-      <dsp:txXfrm>
-        <a:off x="42151" y="1025052"/>
-        <a:ext cx="10835865" cy="779158"/>
-      </dsp:txXfrm>
-    </dsp:sp>
-    <dsp:sp modelId="{70D9E8B9-27E7-486B-B87D-DBAA7DFAF368}">
-      <dsp:nvSpPr>
-        <dsp:cNvPr id="0" name=""/>
-        <dsp:cNvSpPr/>
-      </dsp:nvSpPr>
-      <dsp:spPr>
-        <a:xfrm>
-          <a:off x="0" y="1846361"/>
-          <a:ext cx="10920167" cy="2459160"/>
-        </a:xfrm>
-        <a:prstGeom prst="rect">
-          <a:avLst/>
-        </a:prstGeom>
-        <a:noFill/>
-        <a:ln>
-          <a:noFill/>
-        </a:ln>
-        <a:effectLst/>
-      </dsp:spPr>
-      <dsp:style>
-        <a:lnRef idx="0">
-          <a:scrgbClr r="0" g="0" b="0"/>
-        </a:lnRef>
-        <a:fillRef idx="0">
-          <a:scrgbClr r="0" g="0" b="0"/>
-        </a:fillRef>
-        <a:effectRef idx="0">
-          <a:scrgbClr r="0" g="0" b="0"/>
-        </a:effectRef>
-        <a:fontRef idx="minor"/>
-      </dsp:style>
-      <dsp:txBody>
-        <a:bodyPr spcFirstLastPara="0" vert="horz" wrap="square" lIns="346715" tIns="45720" rIns="256032" bIns="45720" numCol="1" spcCol="1270" anchor="t" anchorCtr="0">
-          <a:noAutofit/>
-        </a:bodyPr>
-        <a:lstStyle/>
-        <a:p>
-          <a:pPr marL="285750" lvl="1" indent="-285750" algn="l" defTabSz="1244600">
-            <a:lnSpc>
-              <a:spcPct val="90000"/>
-            </a:lnSpc>
-            <a:spcBef>
-              <a:spcPct val="0"/>
-            </a:spcBef>
-            <a:spcAft>
-              <a:spcPct val="20000"/>
-            </a:spcAft>
-            <a:buFont typeface="Courier New" panose="02070309020205020404" pitchFamily="49" charset="0"/>
-            <a:buChar char="o"/>
-          </a:pPr>
-          <a:r>
-            <a:rPr lang="en-US" sz="2800" kern="1200" dirty="0"/>
-            <a:t>Location</a:t>
-          </a:r>
-        </a:p>
-        <a:p>
-          <a:pPr marL="285750" lvl="1" indent="-285750" algn="l" defTabSz="1244600">
-            <a:lnSpc>
-              <a:spcPct val="90000"/>
-            </a:lnSpc>
-            <a:spcBef>
-              <a:spcPct val="0"/>
-            </a:spcBef>
-            <a:spcAft>
-              <a:spcPct val="20000"/>
-            </a:spcAft>
-            <a:buFont typeface="Courier New" panose="02070309020205020404" pitchFamily="49" charset="0"/>
-            <a:buChar char="o"/>
-          </a:pPr>
-          <a:r>
-            <a:rPr lang="en-US" sz="2800" kern="1200" dirty="0"/>
-            <a:t>Number of Bedroom</a:t>
-          </a:r>
-        </a:p>
-        <a:p>
-          <a:pPr marL="285750" lvl="1" indent="-285750" algn="l" defTabSz="1244600">
-            <a:lnSpc>
-              <a:spcPct val="90000"/>
-            </a:lnSpc>
-            <a:spcBef>
-              <a:spcPct val="0"/>
-            </a:spcBef>
-            <a:spcAft>
-              <a:spcPct val="20000"/>
-            </a:spcAft>
-            <a:buFont typeface="Courier New" panose="02070309020205020404" pitchFamily="49" charset="0"/>
-            <a:buChar char="o"/>
-          </a:pPr>
-          <a:r>
-            <a:rPr lang="en-US" sz="2800" kern="1200" dirty="0"/>
-            <a:t>Number of Bathrooms</a:t>
-          </a:r>
-        </a:p>
-        <a:p>
-          <a:pPr marL="285750" lvl="1" indent="-285750" algn="l" defTabSz="1244600">
-            <a:lnSpc>
-              <a:spcPct val="90000"/>
-            </a:lnSpc>
-            <a:spcBef>
-              <a:spcPct val="0"/>
-            </a:spcBef>
-            <a:spcAft>
-              <a:spcPct val="20000"/>
-            </a:spcAft>
-            <a:buFont typeface="Courier New" panose="02070309020205020404" pitchFamily="49" charset="0"/>
-            <a:buChar char="o"/>
-          </a:pPr>
-          <a:r>
-            <a:rPr lang="en-US" sz="2800" kern="1200" dirty="0"/>
-            <a:t>Pool</a:t>
-          </a:r>
-        </a:p>
-        <a:p>
-          <a:pPr marL="285750" lvl="1" indent="-285750" algn="l" defTabSz="1244600">
-            <a:lnSpc>
-              <a:spcPct val="90000"/>
-            </a:lnSpc>
-            <a:spcBef>
-              <a:spcPct val="0"/>
-            </a:spcBef>
-            <a:spcAft>
-              <a:spcPct val="20000"/>
-            </a:spcAft>
-            <a:buFont typeface="Courier New" panose="02070309020205020404" pitchFamily="49" charset="0"/>
-            <a:buChar char="o"/>
-          </a:pPr>
-          <a:r>
-            <a:rPr lang="en-US" sz="2800" kern="1200" dirty="0"/>
-            <a:t>Garage and more</a:t>
-          </a:r>
-        </a:p>
-      </dsp:txBody>
-      <dsp:txXfrm>
-        <a:off x="0" y="1846361"/>
-        <a:ext cx="10920167" cy="2459160"/>
-      </dsp:txXfrm>
-    </dsp:sp>
-    <dsp:sp modelId="{AEBD6EA6-1656-42F3-A210-9B79058C13C1}">
-      <dsp:nvSpPr>
-        <dsp:cNvPr id="0" name=""/>
-        <dsp:cNvSpPr/>
-      </dsp:nvSpPr>
-      <dsp:spPr>
-        <a:xfrm>
-          <a:off x="0" y="4305521"/>
-          <a:ext cx="10920167" cy="863460"/>
-        </a:xfrm>
-        <a:prstGeom prst="roundRect">
-          <a:avLst/>
-        </a:prstGeom>
-        <a:solidFill>
-          <a:schemeClr val="accent6">
-            <a:lumMod val="40000"/>
-            <a:lumOff val="60000"/>
-          </a:schemeClr>
-        </a:solidFill>
-        <a:ln>
-          <a:solidFill>
-            <a:schemeClr val="accent6">
-              <a:lumMod val="50000"/>
-            </a:schemeClr>
-          </a:solidFill>
-        </a:ln>
-        <a:effectLst/>
-        <a:scene3d>
-          <a:camera prst="orthographicFront"/>
-          <a:lightRig rig="flat" dir="t"/>
-        </a:scene3d>
-        <a:sp3d prstMaterial="plastic">
-          <a:bevelT w="120900" h="88900"/>
-          <a:bevelB w="88900" h="31750" prst="angle"/>
-        </a:sp3d>
-      </dsp:spPr>
-      <dsp:style>
-        <a:lnRef idx="0">
-          <a:scrgbClr r="0" g="0" b="0"/>
-        </a:lnRef>
-        <a:fillRef idx="3">
-          <a:scrgbClr r="0" g="0" b="0"/>
-        </a:fillRef>
-        <a:effectRef idx="2">
-          <a:scrgbClr r="0" g="0" b="0"/>
-        </a:effectRef>
-        <a:fontRef idx="minor">
-          <a:schemeClr val="lt1"/>
-        </a:fontRef>
-      </dsp:style>
-      <dsp:txBody>
-        <a:bodyPr spcFirstLastPara="0" vert="horz" wrap="square" lIns="137160" tIns="137160" rIns="137160" bIns="137160" numCol="1" spcCol="1270" anchor="ctr" anchorCtr="0">
-          <a:noAutofit/>
-        </a:bodyPr>
-        <a:lstStyle/>
-        <a:p>
-          <a:pPr marL="0" lvl="0" indent="0" algn="l" defTabSz="1600200">
-            <a:lnSpc>
-              <a:spcPct val="90000"/>
-            </a:lnSpc>
-            <a:spcBef>
-              <a:spcPct val="0"/>
-            </a:spcBef>
-            <a:spcAft>
-              <a:spcPct val="35000"/>
-            </a:spcAft>
-            <a:buNone/>
-          </a:pPr>
-          <a:r>
-            <a:rPr lang="en-US" sz="3600" kern="1200" dirty="0"/>
-            <a:t>Application will predict the sales price of the house </a:t>
-          </a:r>
-        </a:p>
-      </dsp:txBody>
-      <dsp:txXfrm>
-        <a:off x="42151" y="4347672"/>
-        <a:ext cx="10835865" cy="779158"/>
-      </dsp:txXfrm>
-    </dsp:sp>
-  </dsp:spTree>
-</dsp:drawing>
-</file>
-
-<file path=ppt/diagrams/drawing3.xml><?xml version="1.0" encoding="utf-8"?>
 <dsp:drawing xmlns:dgm="http://schemas.openxmlformats.org/drawingml/2006/diagram" xmlns:dsp="http://schemas.microsoft.com/office/drawing/2008/diagram" xmlns:a="http://schemas.openxmlformats.org/drawingml/2006/main">
   <dsp:spTree>
     <dsp:nvGrpSpPr>
@@ -5365,173 +3725,6 @@
 </file>
 
 <file path=ppt/diagrams/layout2.xml><?xml version="1.0" encoding="utf-8"?>
-<dgm:layoutDef xmlns:dgm="http://schemas.openxmlformats.org/drawingml/2006/diagram" xmlns:a="http://schemas.openxmlformats.org/drawingml/2006/main" uniqueId="urn:microsoft.com/office/officeart/2005/8/layout/vList2">
-  <dgm:title val=""/>
-  <dgm:desc val=""/>
-  <dgm:catLst>
-    <dgm:cat type="list" pri="3000"/>
-    <dgm:cat type="convert" pri="1000"/>
-  </dgm:catLst>
-  <dgm:sampData>
-    <dgm:dataModel>
-      <dgm:ptLst>
-        <dgm:pt modelId="0" type="doc"/>
-        <dgm:pt modelId="1">
-          <dgm:prSet phldr="1"/>
-        </dgm:pt>
-        <dgm:pt modelId="11">
-          <dgm:prSet phldr="1"/>
-        </dgm:pt>
-        <dgm:pt modelId="2">
-          <dgm:prSet phldr="1"/>
-        </dgm:pt>
-        <dgm:pt modelId="21">
-          <dgm:prSet phldr="1"/>
-        </dgm:pt>
-      </dgm:ptLst>
-      <dgm:cxnLst>
-        <dgm:cxn modelId="4" srcId="0" destId="1" srcOrd="0" destOrd="0"/>
-        <dgm:cxn modelId="5" srcId="0" destId="2" srcOrd="1" destOrd="0"/>
-        <dgm:cxn modelId="12" srcId="1" destId="11" srcOrd="0" destOrd="0"/>
-        <dgm:cxn modelId="23" srcId="2" destId="21" srcOrd="0" destOrd="0"/>
-      </dgm:cxnLst>
-      <dgm:bg/>
-      <dgm:whole/>
-    </dgm:dataModel>
-  </dgm:sampData>
-  <dgm:styleData>
-    <dgm:dataModel>
-      <dgm:ptLst>
-        <dgm:pt modelId="0" type="doc"/>
-        <dgm:pt modelId="1"/>
-        <dgm:pt modelId="2"/>
-      </dgm:ptLst>
-      <dgm:cxnLst>
-        <dgm:cxn modelId="3" srcId="0" destId="1" srcOrd="0" destOrd="0"/>
-        <dgm:cxn modelId="4" srcId="0" destId="2" srcOrd="1" destOrd="0"/>
-      </dgm:cxnLst>
-      <dgm:bg/>
-      <dgm:whole/>
-    </dgm:dataModel>
-  </dgm:styleData>
-  <dgm:clrData>
-    <dgm:dataModel>
-      <dgm:ptLst>
-        <dgm:pt modelId="0" type="doc"/>
-        <dgm:pt modelId="1"/>
-        <dgm:pt modelId="2"/>
-        <dgm:pt modelId="3"/>
-        <dgm:pt modelId="4"/>
-      </dgm:ptLst>
-      <dgm:cxnLst>
-        <dgm:cxn modelId="5" srcId="0" destId="1" srcOrd="0" destOrd="0"/>
-        <dgm:cxn modelId="6" srcId="0" destId="2" srcOrd="1" destOrd="0"/>
-        <dgm:cxn modelId="7" srcId="0" destId="3" srcOrd="2" destOrd="0"/>
-        <dgm:cxn modelId="8" srcId="0" destId="4" srcOrd="3" destOrd="0"/>
-      </dgm:cxnLst>
-      <dgm:bg/>
-      <dgm:whole/>
-    </dgm:dataModel>
-  </dgm:clrData>
-  <dgm:layoutNode name="linear">
-    <dgm:varLst>
-      <dgm:animLvl val="lvl"/>
-      <dgm:resizeHandles val="exact"/>
-    </dgm:varLst>
-    <dgm:alg type="lin">
-      <dgm:param type="linDir" val="fromT"/>
-      <dgm:param type="vertAlign" val="mid"/>
-    </dgm:alg>
-    <dgm:shape xmlns:r="http://schemas.openxmlformats.org/officeDocument/2006/relationships" r:blip="">
-      <dgm:adjLst/>
-    </dgm:shape>
-    <dgm:presOf/>
-    <dgm:constrLst>
-      <dgm:constr type="w" for="ch" forName="parentText" refType="w"/>
-      <dgm:constr type="h" for="ch" forName="parentText" refType="primFontSz" refFor="ch" refForName="parentText" fact="0.52"/>
-      <dgm:constr type="w" for="ch" forName="childText" refType="w"/>
-      <dgm:constr type="h" for="ch" forName="childText" refType="primFontSz" refFor="ch" refForName="parentText" fact="0.46"/>
-      <dgm:constr type="h" for="ch" forName="parentText" op="equ"/>
-      <dgm:constr type="primFontSz" for="ch" forName="parentText" op="equ" val="65"/>
-      <dgm:constr type="primFontSz" for="ch" forName="childText" refType="primFontSz" refFor="ch" refForName="parentText" op="equ"/>
-      <dgm:constr type="h" for="ch" forName="spacer" refType="primFontSz" refFor="ch" refForName="parentText" fact="0.08"/>
-    </dgm:constrLst>
-    <dgm:ruleLst>
-      <dgm:rule type="primFontSz" for="ch" forName="parentText" val="5" fact="NaN" max="NaN"/>
-    </dgm:ruleLst>
-    <dgm:forEach name="Name0" axis="ch" ptType="node">
-      <dgm:layoutNode name="parentText" styleLbl="node1">
-        <dgm:varLst>
-          <dgm:chMax val="0"/>
-          <dgm:bulletEnabled val="1"/>
-        </dgm:varLst>
-        <dgm:alg type="tx">
-          <dgm:param type="parTxLTRAlign" val="l"/>
-          <dgm:param type="parTxRTLAlign" val="r"/>
-        </dgm:alg>
-        <dgm:shape xmlns:r="http://schemas.openxmlformats.org/officeDocument/2006/relationships" type="roundRect" r:blip="">
-          <dgm:adjLst/>
-        </dgm:shape>
-        <dgm:presOf axis="self"/>
-        <dgm:constrLst>
-          <dgm:constr type="tMarg" refType="primFontSz" fact="0.3"/>
-          <dgm:constr type="bMarg" refType="primFontSz" fact="0.3"/>
-          <dgm:constr type="lMarg" refType="primFontSz" fact="0.3"/>
-          <dgm:constr type="rMarg" refType="primFontSz" fact="0.3"/>
-        </dgm:constrLst>
-        <dgm:ruleLst>
-          <dgm:rule type="h" val="INF" fact="NaN" max="NaN"/>
-        </dgm:ruleLst>
-      </dgm:layoutNode>
-      <dgm:choose name="Name1">
-        <dgm:if name="Name2" axis="ch" ptType="node" func="cnt" op="gte" val="1">
-          <dgm:layoutNode name="childText" styleLbl="revTx">
-            <dgm:varLst>
-              <dgm:bulletEnabled val="1"/>
-            </dgm:varLst>
-            <dgm:alg type="tx">
-              <dgm:param type="stBulletLvl" val="1"/>
-              <dgm:param type="lnSpAfChP" val="20"/>
-            </dgm:alg>
-            <dgm:shape xmlns:r="http://schemas.openxmlformats.org/officeDocument/2006/relationships" type="rect" r:blip="">
-              <dgm:adjLst/>
-            </dgm:shape>
-            <dgm:presOf axis="des" ptType="node"/>
-            <dgm:constrLst>
-              <dgm:constr type="tMarg" refType="primFontSz" fact="0.1"/>
-              <dgm:constr type="bMarg" refType="primFontSz" fact="0.1"/>
-              <dgm:constr type="lMarg" refType="w" fact="0.09"/>
-            </dgm:constrLst>
-            <dgm:ruleLst>
-              <dgm:rule type="h" val="INF" fact="NaN" max="NaN"/>
-            </dgm:ruleLst>
-          </dgm:layoutNode>
-        </dgm:if>
-        <dgm:else name="Name3">
-          <dgm:choose name="Name4">
-            <dgm:if name="Name5" axis="par ch" ptType="doc node" func="cnt" op="gte" val="2">
-              <dgm:forEach name="Name6" axis="followSib" ptType="sibTrans" cnt="1">
-                <dgm:layoutNode name="spacer">
-                  <dgm:alg type="sp"/>
-                  <dgm:shape xmlns:r="http://schemas.openxmlformats.org/officeDocument/2006/relationships" r:blip="">
-                    <dgm:adjLst/>
-                  </dgm:shape>
-                  <dgm:presOf/>
-                  <dgm:constrLst/>
-                  <dgm:ruleLst/>
-                </dgm:layoutNode>
-              </dgm:forEach>
-            </dgm:if>
-            <dgm:else name="Name7"/>
-          </dgm:choose>
-        </dgm:else>
-      </dgm:choose>
-    </dgm:forEach>
-  </dgm:layoutNode>
-</dgm:layoutDef>
-</file>
-
-<file path=ppt/diagrams/layout3.xml><?xml version="1.0" encoding="utf-8"?>
 <dgm:layoutDef xmlns:dgm="http://schemas.openxmlformats.org/drawingml/2006/diagram" xmlns:a="http://schemas.openxmlformats.org/drawingml/2006/main" uniqueId="urn:microsoft.com/office/officeart/2005/8/layout/hProcess9">
   <dgm:title val=""/>
   <dgm:desc val=""/>
@@ -6720,1123 +4913,6 @@
 </file>
 
 <file path=ppt/diagrams/quickStyle2.xml><?xml version="1.0" encoding="utf-8"?>
-<dgm:styleDef xmlns:dgm="http://schemas.openxmlformats.org/drawingml/2006/diagram" xmlns:a="http://schemas.openxmlformats.org/drawingml/2006/main" uniqueId="urn:microsoft.com/office/officeart/2005/8/quickstyle/3d1">
-  <dgm:title val=""/>
-  <dgm:desc val=""/>
-  <dgm:catLst>
-    <dgm:cat type="3D" pri="11100"/>
-  </dgm:catLst>
-  <dgm:scene3d>
-    <a:camera prst="orthographicFront"/>
-    <a:lightRig rig="threePt" dir="t"/>
-  </dgm:scene3d>
-  <dgm:styleLbl name="node0">
-    <dgm:scene3d>
-      <a:camera prst="orthographicFront"/>
-      <a:lightRig rig="flat" dir="t"/>
-    </dgm:scene3d>
-    <dgm:sp3d prstMaterial="plastic">
-      <a:bevelT w="120900" h="88900"/>
-      <a:bevelB w="88900" h="31750" prst="angle"/>
-    </dgm:sp3d>
-    <dgm:txPr/>
-    <dgm:style>
-      <a:lnRef idx="0">
-        <a:scrgbClr r="0" g="0" b="0"/>
-      </a:lnRef>
-      <a:fillRef idx="3">
-        <a:scrgbClr r="0" g="0" b="0"/>
-      </a:fillRef>
-      <a:effectRef idx="2">
-        <a:scrgbClr r="0" g="0" b="0"/>
-      </a:effectRef>
-      <a:fontRef idx="minor">
-        <a:schemeClr val="lt1"/>
-      </a:fontRef>
-    </dgm:style>
-  </dgm:styleLbl>
-  <dgm:styleLbl name="lnNode1">
-    <dgm:scene3d>
-      <a:camera prst="orthographicFront"/>
-      <a:lightRig rig="flat" dir="t"/>
-    </dgm:scene3d>
-    <dgm:sp3d prstMaterial="plastic">
-      <a:bevelT w="120900" h="88900"/>
-      <a:bevelB w="88900" h="31750" prst="angle"/>
-    </dgm:sp3d>
-    <dgm:txPr/>
-    <dgm:style>
-      <a:lnRef idx="0">
-        <a:scrgbClr r="0" g="0" b="0"/>
-      </a:lnRef>
-      <a:fillRef idx="3">
-        <a:scrgbClr r="0" g="0" b="0"/>
-      </a:fillRef>
-      <a:effectRef idx="1">
-        <a:scrgbClr r="0" g="0" b="0"/>
-      </a:effectRef>
-      <a:fontRef idx="minor">
-        <a:schemeClr val="lt1"/>
-      </a:fontRef>
-    </dgm:style>
-  </dgm:styleLbl>
-  <dgm:styleLbl name="vennNode1">
-    <dgm:scene3d>
-      <a:camera prst="orthographicFront"/>
-      <a:lightRig rig="flat" dir="t"/>
-    </dgm:scene3d>
-    <dgm:sp3d prstMaterial="plastic">
-      <a:bevelT w="120900" h="88900"/>
-      <a:bevelB w="88900" h="31750" prst="angle"/>
-    </dgm:sp3d>
-    <dgm:txPr/>
-    <dgm:style>
-      <a:lnRef idx="0">
-        <a:scrgbClr r="0" g="0" b="0"/>
-      </a:lnRef>
-      <a:fillRef idx="1">
-        <a:scrgbClr r="0" g="0" b="0"/>
-      </a:fillRef>
-      <a:effectRef idx="1">
-        <a:scrgbClr r="0" g="0" b="0"/>
-      </a:effectRef>
-      <a:fontRef idx="minor">
-        <a:schemeClr val="tx1"/>
-      </a:fontRef>
-    </dgm:style>
-  </dgm:styleLbl>
-  <dgm:styleLbl name="alignNode1">
-    <dgm:scene3d>
-      <a:camera prst="orthographicFront"/>
-      <a:lightRig rig="flat" dir="t"/>
-    </dgm:scene3d>
-    <dgm:sp3d prstMaterial="plastic">
-      <a:bevelT w="120900" h="88900"/>
-      <a:bevelB w="88900" h="31750" prst="angle"/>
-    </dgm:sp3d>
-    <dgm:txPr/>
-    <dgm:style>
-      <a:lnRef idx="1">
-        <a:scrgbClr r="0" g="0" b="0"/>
-      </a:lnRef>
-      <a:fillRef idx="3">
-        <a:scrgbClr r="0" g="0" b="0"/>
-      </a:fillRef>
-      <a:effectRef idx="2">
-        <a:scrgbClr r="0" g="0" b="0"/>
-      </a:effectRef>
-      <a:fontRef idx="minor">
-        <a:schemeClr val="lt1"/>
-      </a:fontRef>
-    </dgm:style>
-  </dgm:styleLbl>
-  <dgm:styleLbl name="node1">
-    <dgm:scene3d>
-      <a:camera prst="orthographicFront"/>
-      <a:lightRig rig="flat" dir="t"/>
-    </dgm:scene3d>
-    <dgm:sp3d prstMaterial="plastic">
-      <a:bevelT w="120900" h="88900"/>
-      <a:bevelB w="88900" h="31750" prst="angle"/>
-    </dgm:sp3d>
-    <dgm:txPr/>
-    <dgm:style>
-      <a:lnRef idx="0">
-        <a:scrgbClr r="0" g="0" b="0"/>
-      </a:lnRef>
-      <a:fillRef idx="3">
-        <a:scrgbClr r="0" g="0" b="0"/>
-      </a:fillRef>
-      <a:effectRef idx="2">
-        <a:scrgbClr r="0" g="0" b="0"/>
-      </a:effectRef>
-      <a:fontRef idx="minor">
-        <a:schemeClr val="lt1"/>
-      </a:fontRef>
-    </dgm:style>
-  </dgm:styleLbl>
-  <dgm:styleLbl name="node2">
-    <dgm:scene3d>
-      <a:camera prst="orthographicFront"/>
-      <a:lightRig rig="flat" dir="t"/>
-    </dgm:scene3d>
-    <dgm:sp3d prstMaterial="plastic">
-      <a:bevelT w="120900" h="88900"/>
-      <a:bevelB w="88900" h="31750" prst="angle"/>
-    </dgm:sp3d>
-    <dgm:txPr/>
-    <dgm:style>
-      <a:lnRef idx="0">
-        <a:scrgbClr r="0" g="0" b="0"/>
-      </a:lnRef>
-      <a:fillRef idx="3">
-        <a:scrgbClr r="0" g="0" b="0"/>
-      </a:fillRef>
-      <a:effectRef idx="1">
-        <a:scrgbClr r="0" g="0" b="0"/>
-      </a:effectRef>
-      <a:fontRef idx="minor">
-        <a:schemeClr val="lt1"/>
-      </a:fontRef>
-    </dgm:style>
-  </dgm:styleLbl>
-  <dgm:styleLbl name="node3">
-    <dgm:scene3d>
-      <a:camera prst="orthographicFront"/>
-      <a:lightRig rig="flat" dir="t"/>
-    </dgm:scene3d>
-    <dgm:sp3d prstMaterial="plastic">
-      <a:bevelT w="120900" h="88900"/>
-      <a:bevelB w="88900" h="31750" prst="angle"/>
-    </dgm:sp3d>
-    <dgm:txPr/>
-    <dgm:style>
-      <a:lnRef idx="0">
-        <a:scrgbClr r="0" g="0" b="0"/>
-      </a:lnRef>
-      <a:fillRef idx="3">
-        <a:scrgbClr r="0" g="0" b="0"/>
-      </a:fillRef>
-      <a:effectRef idx="1">
-        <a:scrgbClr r="0" g="0" b="0"/>
-      </a:effectRef>
-      <a:fontRef idx="minor">
-        <a:schemeClr val="lt1"/>
-      </a:fontRef>
-    </dgm:style>
-  </dgm:styleLbl>
-  <dgm:styleLbl name="node4">
-    <dgm:scene3d>
-      <a:camera prst="orthographicFront"/>
-      <a:lightRig rig="flat" dir="t"/>
-    </dgm:scene3d>
-    <dgm:sp3d prstMaterial="plastic">
-      <a:bevelT w="120900" h="88900"/>
-      <a:bevelB w="88900" h="31750" prst="angle"/>
-    </dgm:sp3d>
-    <dgm:txPr/>
-    <dgm:style>
-      <a:lnRef idx="0">
-        <a:scrgbClr r="0" g="0" b="0"/>
-      </a:lnRef>
-      <a:fillRef idx="3">
-        <a:scrgbClr r="0" g="0" b="0"/>
-      </a:fillRef>
-      <a:effectRef idx="1">
-        <a:scrgbClr r="0" g="0" b="0"/>
-      </a:effectRef>
-      <a:fontRef idx="minor">
-        <a:schemeClr val="lt1"/>
-      </a:fontRef>
-    </dgm:style>
-  </dgm:styleLbl>
-  <dgm:styleLbl name="fgImgPlace1">
-    <dgm:scene3d>
-      <a:camera prst="orthographicFront"/>
-      <a:lightRig rig="flat" dir="t"/>
-    </dgm:scene3d>
-    <dgm:sp3d z="127000" prstMaterial="plastic">
-      <a:bevelT w="88900" h="88900"/>
-      <a:bevelB w="88900" h="31750" prst="angle"/>
-    </dgm:sp3d>
-    <dgm:txPr/>
-    <dgm:style>
-      <a:lnRef idx="0">
-        <a:scrgbClr r="0" g="0" b="0"/>
-      </a:lnRef>
-      <a:fillRef idx="3">
-        <a:scrgbClr r="0" g="0" b="0"/>
-      </a:fillRef>
-      <a:effectRef idx="2">
-        <a:scrgbClr r="0" g="0" b="0"/>
-      </a:effectRef>
-      <a:fontRef idx="minor"/>
-    </dgm:style>
-  </dgm:styleLbl>
-  <dgm:styleLbl name="alignImgPlace1">
-    <dgm:scene3d>
-      <a:camera prst="orthographicFront"/>
-      <a:lightRig rig="flat" dir="t"/>
-    </dgm:scene3d>
-    <dgm:sp3d prstMaterial="plastic">
-      <a:bevelT w="88900" h="88900"/>
-      <a:bevelB w="88900" h="31750" prst="angle"/>
-    </dgm:sp3d>
-    <dgm:txPr/>
-    <dgm:style>
-      <a:lnRef idx="0">
-        <a:scrgbClr r="0" g="0" b="0"/>
-      </a:lnRef>
-      <a:fillRef idx="3">
-        <a:scrgbClr r="0" g="0" b="0"/>
-      </a:fillRef>
-      <a:effectRef idx="2">
-        <a:scrgbClr r="0" g="0" b="0"/>
-      </a:effectRef>
-      <a:fontRef idx="minor"/>
-    </dgm:style>
-  </dgm:styleLbl>
-  <dgm:styleLbl name="bgImgPlace1">
-    <dgm:scene3d>
-      <a:camera prst="orthographicFront"/>
-      <a:lightRig rig="flat" dir="t"/>
-    </dgm:scene3d>
-    <dgm:sp3d z="-190500" prstMaterial="plastic">
-      <a:bevelT w="88900" h="88900"/>
-      <a:bevelB w="88900" h="31750" prst="angle"/>
-    </dgm:sp3d>
-    <dgm:txPr/>
-    <dgm:style>
-      <a:lnRef idx="0">
-        <a:scrgbClr r="0" g="0" b="0"/>
-      </a:lnRef>
-      <a:fillRef idx="3">
-        <a:scrgbClr r="0" g="0" b="0"/>
-      </a:fillRef>
-      <a:effectRef idx="2">
-        <a:scrgbClr r="0" g="0" b="0"/>
-      </a:effectRef>
-      <a:fontRef idx="minor"/>
-    </dgm:style>
-  </dgm:styleLbl>
-  <dgm:styleLbl name="sibTrans2D1">
-    <dgm:scene3d>
-      <a:camera prst="orthographicFront"/>
-      <a:lightRig rig="flat" dir="t"/>
-    </dgm:scene3d>
-    <dgm:sp3d z="-80000" prstMaterial="plastic">
-      <a:bevelT w="50800" h="50800"/>
-      <a:bevelB w="25400" h="25400" prst="angle"/>
-    </dgm:sp3d>
-    <dgm:txPr/>
-    <dgm:style>
-      <a:lnRef idx="0">
-        <a:scrgbClr r="0" g="0" b="0"/>
-      </a:lnRef>
-      <a:fillRef idx="3">
-        <a:scrgbClr r="0" g="0" b="0"/>
-      </a:fillRef>
-      <a:effectRef idx="2">
-        <a:scrgbClr r="0" g="0" b="0"/>
-      </a:effectRef>
-      <a:fontRef idx="minor">
-        <a:schemeClr val="lt1"/>
-      </a:fontRef>
-    </dgm:style>
-  </dgm:styleLbl>
-  <dgm:styleLbl name="fgSibTrans2D1">
-    <dgm:scene3d>
-      <a:camera prst="orthographicFront"/>
-      <a:lightRig rig="flat" dir="t"/>
-    </dgm:scene3d>
-    <dgm:sp3d z="127000" prstMaterial="plastic">
-      <a:bevelT w="50800" h="50800"/>
-      <a:bevelB w="25400" h="25400" prst="angle"/>
-    </dgm:sp3d>
-    <dgm:txPr/>
-    <dgm:style>
-      <a:lnRef idx="0">
-        <a:scrgbClr r="0" g="0" b="0"/>
-      </a:lnRef>
-      <a:fillRef idx="3">
-        <a:scrgbClr r="0" g="0" b="0"/>
-      </a:fillRef>
-      <a:effectRef idx="2">
-        <a:scrgbClr r="0" g="0" b="0"/>
-      </a:effectRef>
-      <a:fontRef idx="minor">
-        <a:schemeClr val="lt1"/>
-      </a:fontRef>
-    </dgm:style>
-  </dgm:styleLbl>
-  <dgm:styleLbl name="bgSibTrans2D1">
-    <dgm:scene3d>
-      <a:camera prst="orthographicFront"/>
-      <a:lightRig rig="flat" dir="t"/>
-    </dgm:scene3d>
-    <dgm:sp3d z="-190500" prstMaterial="plastic">
-      <a:bevelT w="50800" h="50800"/>
-      <a:bevelB w="25400" h="25400" prst="angle"/>
-    </dgm:sp3d>
-    <dgm:txPr/>
-    <dgm:style>
-      <a:lnRef idx="0">
-        <a:scrgbClr r="0" g="0" b="0"/>
-      </a:lnRef>
-      <a:fillRef idx="3">
-        <a:scrgbClr r="0" g="0" b="0"/>
-      </a:fillRef>
-      <a:effectRef idx="2">
-        <a:scrgbClr r="0" g="0" b="0"/>
-      </a:effectRef>
-      <a:fontRef idx="minor">
-        <a:schemeClr val="lt1"/>
-      </a:fontRef>
-    </dgm:style>
-  </dgm:styleLbl>
-  <dgm:styleLbl name="sibTrans1D1">
-    <dgm:scene3d>
-      <a:camera prst="orthographicFront"/>
-      <a:lightRig rig="flat" dir="t"/>
-    </dgm:scene3d>
-    <dgm:sp3d z="-40000" prstMaterial="matte"/>
-    <dgm:txPr/>
-    <dgm:style>
-      <a:lnRef idx="1">
-        <a:scrgbClr r="0" g="0" b="0"/>
-      </a:lnRef>
-      <a:fillRef idx="0">
-        <a:scrgbClr r="0" g="0" b="0"/>
-      </a:fillRef>
-      <a:effectRef idx="0">
-        <a:scrgbClr r="0" g="0" b="0"/>
-      </a:effectRef>
-      <a:fontRef idx="minor"/>
-    </dgm:style>
-  </dgm:styleLbl>
-  <dgm:styleLbl name="callout">
-    <dgm:scene3d>
-      <a:camera prst="orthographicFront"/>
-      <a:lightRig rig="threePt" dir="t"/>
-    </dgm:scene3d>
-    <dgm:sp3d z="127000" prstMaterial="matte"/>
-    <dgm:txPr/>
-    <dgm:style>
-      <a:lnRef idx="2">
-        <a:scrgbClr r="0" g="0" b="0"/>
-      </a:lnRef>
-      <a:fillRef idx="1">
-        <a:scrgbClr r="0" g="0" b="0"/>
-      </a:fillRef>
-      <a:effectRef idx="0">
-        <a:scrgbClr r="0" g="0" b="0"/>
-      </a:effectRef>
-      <a:fontRef idx="minor"/>
-    </dgm:style>
-  </dgm:styleLbl>
-  <dgm:styleLbl name="asst0">
-    <dgm:scene3d>
-      <a:camera prst="orthographicFront"/>
-      <a:lightRig rig="flat" dir="t"/>
-    </dgm:scene3d>
-    <dgm:sp3d prstMaterial="plastic">
-      <a:bevelT w="120900" h="88900"/>
-      <a:bevelB w="88900" h="31750" prst="angle"/>
-    </dgm:sp3d>
-    <dgm:txPr/>
-    <dgm:style>
-      <a:lnRef idx="0">
-        <a:scrgbClr r="0" g="0" b="0"/>
-      </a:lnRef>
-      <a:fillRef idx="3">
-        <a:scrgbClr r="0" g="0" b="0"/>
-      </a:fillRef>
-      <a:effectRef idx="1">
-        <a:scrgbClr r="0" g="0" b="0"/>
-      </a:effectRef>
-      <a:fontRef idx="minor">
-        <a:schemeClr val="lt1"/>
-      </a:fontRef>
-    </dgm:style>
-  </dgm:styleLbl>
-  <dgm:styleLbl name="asst1">
-    <dgm:scene3d>
-      <a:camera prst="orthographicFront"/>
-      <a:lightRig rig="flat" dir="t"/>
-    </dgm:scene3d>
-    <dgm:sp3d prstMaterial="plastic">
-      <a:bevelT w="120900" h="88900"/>
-      <a:bevelB w="88900" h="31750" prst="angle"/>
-    </dgm:sp3d>
-    <dgm:txPr/>
-    <dgm:style>
-      <a:lnRef idx="0">
-        <a:scrgbClr r="0" g="0" b="0"/>
-      </a:lnRef>
-      <a:fillRef idx="3">
-        <a:scrgbClr r="0" g="0" b="0"/>
-      </a:fillRef>
-      <a:effectRef idx="1">
-        <a:scrgbClr r="0" g="0" b="0"/>
-      </a:effectRef>
-      <a:fontRef idx="minor">
-        <a:schemeClr val="lt1"/>
-      </a:fontRef>
-    </dgm:style>
-  </dgm:styleLbl>
-  <dgm:styleLbl name="asst2">
-    <dgm:scene3d>
-      <a:camera prst="orthographicFront"/>
-      <a:lightRig rig="flat" dir="t"/>
-    </dgm:scene3d>
-    <dgm:sp3d prstMaterial="plastic">
-      <a:bevelT w="120900" h="88900"/>
-      <a:bevelB w="88900" h="31750" prst="angle"/>
-    </dgm:sp3d>
-    <dgm:txPr/>
-    <dgm:style>
-      <a:lnRef idx="0">
-        <a:scrgbClr r="0" g="0" b="0"/>
-      </a:lnRef>
-      <a:fillRef idx="3">
-        <a:scrgbClr r="0" g="0" b="0"/>
-      </a:fillRef>
-      <a:effectRef idx="1">
-        <a:scrgbClr r="0" g="0" b="0"/>
-      </a:effectRef>
-      <a:fontRef idx="minor">
-        <a:schemeClr val="lt1"/>
-      </a:fontRef>
-    </dgm:style>
-  </dgm:styleLbl>
-  <dgm:styleLbl name="asst3">
-    <dgm:scene3d>
-      <a:camera prst="orthographicFront"/>
-      <a:lightRig rig="flat" dir="t"/>
-    </dgm:scene3d>
-    <dgm:sp3d prstMaterial="plastic">
-      <a:bevelT w="120900" h="88900"/>
-      <a:bevelB w="88900" h="31750" prst="angle"/>
-    </dgm:sp3d>
-    <dgm:txPr/>
-    <dgm:style>
-      <a:lnRef idx="0">
-        <a:scrgbClr r="0" g="0" b="0"/>
-      </a:lnRef>
-      <a:fillRef idx="3">
-        <a:scrgbClr r="0" g="0" b="0"/>
-      </a:fillRef>
-      <a:effectRef idx="1">
-        <a:scrgbClr r="0" g="0" b="0"/>
-      </a:effectRef>
-      <a:fontRef idx="minor">
-        <a:schemeClr val="lt1"/>
-      </a:fontRef>
-    </dgm:style>
-  </dgm:styleLbl>
-  <dgm:styleLbl name="parChTrans2D1">
-    <dgm:scene3d>
-      <a:camera prst="orthographicFront"/>
-      <a:lightRig rig="flat" dir="t"/>
-    </dgm:scene3d>
-    <dgm:sp3d z="-100000" prstMaterial="plastic">
-      <a:bevelT w="120900" h="88900"/>
-      <a:bevelB w="88900" h="31750" prst="angle"/>
-    </dgm:sp3d>
-    <dgm:txPr/>
-    <dgm:style>
-      <a:lnRef idx="0">
-        <a:scrgbClr r="0" g="0" b="0"/>
-      </a:lnRef>
-      <a:fillRef idx="3">
-        <a:scrgbClr r="0" g="0" b="0"/>
-      </a:fillRef>
-      <a:effectRef idx="1">
-        <a:scrgbClr r="0" g="0" b="0"/>
-      </a:effectRef>
-      <a:fontRef idx="minor">
-        <a:schemeClr val="lt1"/>
-      </a:fontRef>
-    </dgm:style>
-  </dgm:styleLbl>
-  <dgm:styleLbl name="parChTrans2D2">
-    <dgm:scene3d>
-      <a:camera prst="orthographicFront"/>
-      <a:lightRig rig="flat" dir="t"/>
-    </dgm:scene3d>
-    <dgm:sp3d z="-60000" prstMaterial="plastic">
-      <a:bevelT w="120900" h="88900"/>
-      <a:bevelB w="88900" h="31750" prst="angle"/>
-    </dgm:sp3d>
-    <dgm:txPr/>
-    <dgm:style>
-      <a:lnRef idx="0">
-        <a:scrgbClr r="0" g="0" b="0"/>
-      </a:lnRef>
-      <a:fillRef idx="3">
-        <a:scrgbClr r="0" g="0" b="0"/>
-      </a:fillRef>
-      <a:effectRef idx="1">
-        <a:scrgbClr r="0" g="0" b="0"/>
-      </a:effectRef>
-      <a:fontRef idx="minor">
-        <a:schemeClr val="lt1"/>
-      </a:fontRef>
-    </dgm:style>
-  </dgm:styleLbl>
-  <dgm:styleLbl name="parChTrans2D3">
-    <dgm:scene3d>
-      <a:camera prst="orthographicFront"/>
-      <a:lightRig rig="flat" dir="t"/>
-    </dgm:scene3d>
-    <dgm:sp3d z="-60000" prstMaterial="plastic">
-      <a:bevelT w="120900" h="88900"/>
-      <a:bevelB w="88900" h="31750" prst="angle"/>
-    </dgm:sp3d>
-    <dgm:txPr/>
-    <dgm:style>
-      <a:lnRef idx="0">
-        <a:scrgbClr r="0" g="0" b="0"/>
-      </a:lnRef>
-      <a:fillRef idx="3">
-        <a:scrgbClr r="0" g="0" b="0"/>
-      </a:fillRef>
-      <a:effectRef idx="1">
-        <a:scrgbClr r="0" g="0" b="0"/>
-      </a:effectRef>
-      <a:fontRef idx="minor">
-        <a:schemeClr val="lt1"/>
-      </a:fontRef>
-    </dgm:style>
-  </dgm:styleLbl>
-  <dgm:styleLbl name="parChTrans2D4">
-    <dgm:scene3d>
-      <a:camera prst="orthographicFront"/>
-      <a:lightRig rig="flat" dir="t"/>
-    </dgm:scene3d>
-    <dgm:sp3d z="-60000" prstMaterial="plastic">
-      <a:bevelT w="120900" h="88900"/>
-      <a:bevelB w="88900" h="31750" prst="angle"/>
-    </dgm:sp3d>
-    <dgm:txPr/>
-    <dgm:style>
-      <a:lnRef idx="0">
-        <a:scrgbClr r="0" g="0" b="0"/>
-      </a:lnRef>
-      <a:fillRef idx="3">
-        <a:scrgbClr r="0" g="0" b="0"/>
-      </a:fillRef>
-      <a:effectRef idx="1">
-        <a:scrgbClr r="0" g="0" b="0"/>
-      </a:effectRef>
-      <a:fontRef idx="minor">
-        <a:schemeClr val="lt1"/>
-      </a:fontRef>
-    </dgm:style>
-  </dgm:styleLbl>
-  <dgm:styleLbl name="parChTrans1D1">
-    <dgm:scene3d>
-      <a:camera prst="orthographicFront"/>
-      <a:lightRig rig="flat" dir="t"/>
-    </dgm:scene3d>
-    <dgm:sp3d prstMaterial="matte"/>
-    <dgm:txPr/>
-    <dgm:style>
-      <a:lnRef idx="2">
-        <a:scrgbClr r="0" g="0" b="0"/>
-      </a:lnRef>
-      <a:fillRef idx="0">
-        <a:scrgbClr r="0" g="0" b="0"/>
-      </a:fillRef>
-      <a:effectRef idx="0">
-        <a:scrgbClr r="0" g="0" b="0"/>
-      </a:effectRef>
-      <a:fontRef idx="minor"/>
-    </dgm:style>
-  </dgm:styleLbl>
-  <dgm:styleLbl name="parChTrans1D2">
-    <dgm:scene3d>
-      <a:camera prst="orthographicFront"/>
-      <a:lightRig rig="flat" dir="t"/>
-    </dgm:scene3d>
-    <dgm:sp3d prstMaterial="matte"/>
-    <dgm:txPr/>
-    <dgm:style>
-      <a:lnRef idx="2">
-        <a:scrgbClr r="0" g="0" b="0"/>
-      </a:lnRef>
-      <a:fillRef idx="0">
-        <a:scrgbClr r="0" g="0" b="0"/>
-      </a:fillRef>
-      <a:effectRef idx="0">
-        <a:scrgbClr r="0" g="0" b="0"/>
-      </a:effectRef>
-      <a:fontRef idx="minor"/>
-    </dgm:style>
-  </dgm:styleLbl>
-  <dgm:styleLbl name="parChTrans1D3">
-    <dgm:scene3d>
-      <a:camera prst="orthographicFront"/>
-      <a:lightRig rig="flat" dir="t"/>
-    </dgm:scene3d>
-    <dgm:sp3d prstMaterial="matte"/>
-    <dgm:txPr/>
-    <dgm:style>
-      <a:lnRef idx="2">
-        <a:scrgbClr r="0" g="0" b="0"/>
-      </a:lnRef>
-      <a:fillRef idx="0">
-        <a:scrgbClr r="0" g="0" b="0"/>
-      </a:fillRef>
-      <a:effectRef idx="0">
-        <a:scrgbClr r="0" g="0" b="0"/>
-      </a:effectRef>
-      <a:fontRef idx="minor"/>
-    </dgm:style>
-  </dgm:styleLbl>
-  <dgm:styleLbl name="parChTrans1D4">
-    <dgm:scene3d>
-      <a:camera prst="orthographicFront"/>
-      <a:lightRig rig="flat" dir="t"/>
-    </dgm:scene3d>
-    <dgm:sp3d prstMaterial="matte"/>
-    <dgm:txPr/>
-    <dgm:style>
-      <a:lnRef idx="2">
-        <a:scrgbClr r="0" g="0" b="0"/>
-      </a:lnRef>
-      <a:fillRef idx="0">
-        <a:scrgbClr r="0" g="0" b="0"/>
-      </a:fillRef>
-      <a:effectRef idx="0">
-        <a:scrgbClr r="0" g="0" b="0"/>
-      </a:effectRef>
-      <a:fontRef idx="minor"/>
-    </dgm:style>
-  </dgm:styleLbl>
-  <dgm:styleLbl name="fgAcc1">
-    <dgm:scene3d>
-      <a:camera prst="orthographicFront"/>
-      <a:lightRig rig="flat" dir="t"/>
-    </dgm:scene3d>
-    <dgm:sp3d z="190500" extrusionH="12700" prstMaterial="plastic">
-      <a:bevelT w="50800" h="50800"/>
-    </dgm:sp3d>
-    <dgm:txPr/>
-    <dgm:style>
-      <a:lnRef idx="1">
-        <a:scrgbClr r="0" g="0" b="0"/>
-      </a:lnRef>
-      <a:fillRef idx="1">
-        <a:scrgbClr r="0" g="0" b="0"/>
-      </a:fillRef>
-      <a:effectRef idx="2">
-        <a:scrgbClr r="0" g="0" b="0"/>
-      </a:effectRef>
-      <a:fontRef idx="minor"/>
-    </dgm:style>
-  </dgm:styleLbl>
-  <dgm:styleLbl name="conFgAcc1">
-    <dgm:scene3d>
-      <a:camera prst="orthographicFront"/>
-      <a:lightRig rig="flat" dir="t"/>
-    </dgm:scene3d>
-    <dgm:sp3d z="190500" extrusionH="12700" prstMaterial="plastic">
-      <a:bevelT w="50800" h="50800"/>
-    </dgm:sp3d>
-    <dgm:txPr/>
-    <dgm:style>
-      <a:lnRef idx="1">
-        <a:scrgbClr r="0" g="0" b="0"/>
-      </a:lnRef>
-      <a:fillRef idx="1">
-        <a:scrgbClr r="0" g="0" b="0"/>
-      </a:fillRef>
-      <a:effectRef idx="2">
-        <a:scrgbClr r="0" g="0" b="0"/>
-      </a:effectRef>
-      <a:fontRef idx="minor"/>
-    </dgm:style>
-  </dgm:styleLbl>
-  <dgm:styleLbl name="alignAcc1">
-    <dgm:scene3d>
-      <a:camera prst="orthographicFront"/>
-      <a:lightRig rig="flat" dir="t"/>
-    </dgm:scene3d>
-    <dgm:sp3d extrusionH="12700" prstMaterial="plastic">
-      <a:bevelT w="50800" h="50800"/>
-    </dgm:sp3d>
-    <dgm:txPr/>
-    <dgm:style>
-      <a:lnRef idx="1">
-        <a:scrgbClr r="0" g="0" b="0"/>
-      </a:lnRef>
-      <a:fillRef idx="1">
-        <a:scrgbClr r="0" g="0" b="0"/>
-      </a:fillRef>
-      <a:effectRef idx="2">
-        <a:scrgbClr r="0" g="0" b="0"/>
-      </a:effectRef>
-      <a:fontRef idx="minor"/>
-    </dgm:style>
-  </dgm:styleLbl>
-  <dgm:styleLbl name="trAlignAcc1">
-    <dgm:scene3d>
-      <a:camera prst="orthographicFront"/>
-      <a:lightRig rig="flat" dir="t"/>
-    </dgm:scene3d>
-    <dgm:sp3d extrusionH="12700" prstMaterial="plastic">
-      <a:bevelT w="50800" h="50800"/>
-    </dgm:sp3d>
-    <dgm:txPr/>
-    <dgm:style>
-      <a:lnRef idx="1">
-        <a:scrgbClr r="0" g="0" b="0"/>
-      </a:lnRef>
-      <a:fillRef idx="1">
-        <a:scrgbClr r="0" g="0" b="0"/>
-      </a:fillRef>
-      <a:effectRef idx="2">
-        <a:scrgbClr r="0" g="0" b="0"/>
-      </a:effectRef>
-      <a:fontRef idx="minor"/>
-    </dgm:style>
-  </dgm:styleLbl>
-  <dgm:styleLbl name="bgAcc1">
-    <dgm:scene3d>
-      <a:camera prst="orthographicFront"/>
-      <a:lightRig rig="flat" dir="t"/>
-    </dgm:scene3d>
-    <dgm:sp3d z="-190500" extrusionH="12700" prstMaterial="plastic">
-      <a:bevelT w="50800" h="50800"/>
-    </dgm:sp3d>
-    <dgm:txPr/>
-    <dgm:style>
-      <a:lnRef idx="1">
-        <a:scrgbClr r="0" g="0" b="0"/>
-      </a:lnRef>
-      <a:fillRef idx="1">
-        <a:scrgbClr r="0" g="0" b="0"/>
-      </a:fillRef>
-      <a:effectRef idx="2">
-        <a:scrgbClr r="0" g="0" b="0"/>
-      </a:effectRef>
-      <a:fontRef idx="minor"/>
-    </dgm:style>
-  </dgm:styleLbl>
-  <dgm:styleLbl name="solidFgAcc1">
-    <dgm:scene3d>
-      <a:camera prst="orthographicFront"/>
-      <a:lightRig rig="flat" dir="t"/>
-    </dgm:scene3d>
-    <dgm:sp3d z="190500" extrusionH="12700" prstMaterial="plastic">
-      <a:bevelT w="50800" h="50800"/>
-    </dgm:sp3d>
-    <dgm:txPr/>
-    <dgm:style>
-      <a:lnRef idx="1">
-        <a:scrgbClr r="0" g="0" b="0"/>
-      </a:lnRef>
-      <a:fillRef idx="1">
-        <a:scrgbClr r="0" g="0" b="0"/>
-      </a:fillRef>
-      <a:effectRef idx="2">
-        <a:scrgbClr r="0" g="0" b="0"/>
-      </a:effectRef>
-      <a:fontRef idx="minor"/>
-    </dgm:style>
-  </dgm:styleLbl>
-  <dgm:styleLbl name="solidAlignAcc1">
-    <dgm:scene3d>
-      <a:camera prst="orthographicFront"/>
-      <a:lightRig rig="flat" dir="t"/>
-    </dgm:scene3d>
-    <dgm:sp3d extrusionH="12700" prstMaterial="plastic">
-      <a:bevelT w="50800" h="50800"/>
-    </dgm:sp3d>
-    <dgm:txPr/>
-    <dgm:style>
-      <a:lnRef idx="1">
-        <a:scrgbClr r="0" g="0" b="0"/>
-      </a:lnRef>
-      <a:fillRef idx="1">
-        <a:scrgbClr r="0" g="0" b="0"/>
-      </a:fillRef>
-      <a:effectRef idx="2">
-        <a:scrgbClr r="0" g="0" b="0"/>
-      </a:effectRef>
-      <a:fontRef idx="minor"/>
-    </dgm:style>
-  </dgm:styleLbl>
-  <dgm:styleLbl name="solidBgAcc1">
-    <dgm:scene3d>
-      <a:camera prst="orthographicFront"/>
-      <a:lightRig rig="flat" dir="t"/>
-    </dgm:scene3d>
-    <dgm:sp3d z="-190500" extrusionH="12700" prstMaterial="plastic">
-      <a:bevelT w="50800" h="50800"/>
-    </dgm:sp3d>
-    <dgm:txPr/>
-    <dgm:style>
-      <a:lnRef idx="1">
-        <a:scrgbClr r="0" g="0" b="0"/>
-      </a:lnRef>
-      <a:fillRef idx="1">
-        <a:scrgbClr r="0" g="0" b="0"/>
-      </a:fillRef>
-      <a:effectRef idx="2">
-        <a:scrgbClr r="0" g="0" b="0"/>
-      </a:effectRef>
-      <a:fontRef idx="minor"/>
-    </dgm:style>
-  </dgm:styleLbl>
-  <dgm:styleLbl name="fgAccFollowNode1">
-    <dgm:scene3d>
-      <a:camera prst="orthographicFront"/>
-      <a:lightRig rig="flat" dir="t"/>
-    </dgm:scene3d>
-    <dgm:sp3d z="190500" extrusionH="12700" prstMaterial="plastic">
-      <a:bevelT w="50800" h="50800"/>
-    </dgm:sp3d>
-    <dgm:txPr/>
-    <dgm:style>
-      <a:lnRef idx="1">
-        <a:scrgbClr r="0" g="0" b="0"/>
-      </a:lnRef>
-      <a:fillRef idx="1">
-        <a:scrgbClr r="0" g="0" b="0"/>
-      </a:fillRef>
-      <a:effectRef idx="2">
-        <a:scrgbClr r="0" g="0" b="0"/>
-      </a:effectRef>
-      <a:fontRef idx="minor"/>
-    </dgm:style>
-  </dgm:styleLbl>
-  <dgm:styleLbl name="alignAccFollowNode1">
-    <dgm:scene3d>
-      <a:camera prst="orthographicFront"/>
-      <a:lightRig rig="flat" dir="t"/>
-    </dgm:scene3d>
-    <dgm:sp3d extrusionH="12700" prstMaterial="plastic">
-      <a:bevelT w="50800" h="50800"/>
-    </dgm:sp3d>
-    <dgm:txPr/>
-    <dgm:style>
-      <a:lnRef idx="1">
-        <a:scrgbClr r="0" g="0" b="0"/>
-      </a:lnRef>
-      <a:fillRef idx="1">
-        <a:scrgbClr r="0" g="0" b="0"/>
-      </a:fillRef>
-      <a:effectRef idx="2">
-        <a:scrgbClr r="0" g="0" b="0"/>
-      </a:effectRef>
-      <a:fontRef idx="minor"/>
-    </dgm:style>
-  </dgm:styleLbl>
-  <dgm:styleLbl name="bgAccFollowNode1">
-    <dgm:scene3d>
-      <a:camera prst="orthographicFront"/>
-      <a:lightRig rig="flat" dir="t"/>
-    </dgm:scene3d>
-    <dgm:sp3d z="-190500" extrusionH="12700" prstMaterial="plastic">
-      <a:bevelT w="50800" h="50800"/>
-    </dgm:sp3d>
-    <dgm:txPr/>
-    <dgm:style>
-      <a:lnRef idx="1">
-        <a:scrgbClr r="0" g="0" b="0"/>
-      </a:lnRef>
-      <a:fillRef idx="1">
-        <a:scrgbClr r="0" g="0" b="0"/>
-      </a:fillRef>
-      <a:effectRef idx="2">
-        <a:scrgbClr r="0" g="0" b="0"/>
-      </a:effectRef>
-      <a:fontRef idx="minor"/>
-    </dgm:style>
-  </dgm:styleLbl>
-  <dgm:styleLbl name="fgAcc0">
-    <dgm:scene3d>
-      <a:camera prst="orthographicFront"/>
-      <a:lightRig rig="flat" dir="t"/>
-    </dgm:scene3d>
-    <dgm:sp3d z="190500" extrusionH="12700" prstMaterial="plastic">
-      <a:bevelT w="50800" h="50800"/>
-    </dgm:sp3d>
-    <dgm:txPr/>
-    <dgm:style>
-      <a:lnRef idx="1">
-        <a:scrgbClr r="0" g="0" b="0"/>
-      </a:lnRef>
-      <a:fillRef idx="1">
-        <a:scrgbClr r="0" g="0" b="0"/>
-      </a:fillRef>
-      <a:effectRef idx="2">
-        <a:scrgbClr r="0" g="0" b="0"/>
-      </a:effectRef>
-      <a:fontRef idx="minor"/>
-    </dgm:style>
-  </dgm:styleLbl>
-  <dgm:styleLbl name="fgAcc2">
-    <dgm:scene3d>
-      <a:camera prst="orthographicFront"/>
-      <a:lightRig rig="flat" dir="t"/>
-    </dgm:scene3d>
-    <dgm:sp3d z="190500" extrusionH="12700" prstMaterial="plastic">
-      <a:bevelT w="50800" h="50800"/>
-    </dgm:sp3d>
-    <dgm:txPr/>
-    <dgm:style>
-      <a:lnRef idx="1">
-        <a:scrgbClr r="0" g="0" b="0"/>
-      </a:lnRef>
-      <a:fillRef idx="1">
-        <a:scrgbClr r="0" g="0" b="0"/>
-      </a:fillRef>
-      <a:effectRef idx="2">
-        <a:scrgbClr r="0" g="0" b="0"/>
-      </a:effectRef>
-      <a:fontRef idx="minor"/>
-    </dgm:style>
-  </dgm:styleLbl>
-  <dgm:styleLbl name="fgAcc3">
-    <dgm:scene3d>
-      <a:camera prst="orthographicFront"/>
-      <a:lightRig rig="flat" dir="t"/>
-    </dgm:scene3d>
-    <dgm:sp3d z="190500" extrusionH="12700" prstMaterial="plastic">
-      <a:bevelT w="50800" h="50800"/>
-    </dgm:sp3d>
-    <dgm:txPr/>
-    <dgm:style>
-      <a:lnRef idx="1">
-        <a:scrgbClr r="0" g="0" b="0"/>
-      </a:lnRef>
-      <a:fillRef idx="1">
-        <a:scrgbClr r="0" g="0" b="0"/>
-      </a:fillRef>
-      <a:effectRef idx="2">
-        <a:scrgbClr r="0" g="0" b="0"/>
-      </a:effectRef>
-      <a:fontRef idx="minor"/>
-    </dgm:style>
-  </dgm:styleLbl>
-  <dgm:styleLbl name="fgAcc4">
-    <dgm:scene3d>
-      <a:camera prst="orthographicFront"/>
-      <a:lightRig rig="flat" dir="t"/>
-    </dgm:scene3d>
-    <dgm:sp3d z="190500" extrusionH="12700" prstMaterial="plastic">
-      <a:bevelT w="50800" h="50800"/>
-    </dgm:sp3d>
-    <dgm:txPr/>
-    <dgm:style>
-      <a:lnRef idx="1">
-        <a:scrgbClr r="0" g="0" b="0"/>
-      </a:lnRef>
-      <a:fillRef idx="1">
-        <a:scrgbClr r="0" g="0" b="0"/>
-      </a:fillRef>
-      <a:effectRef idx="2">
-        <a:scrgbClr r="0" g="0" b="0"/>
-      </a:effectRef>
-      <a:fontRef idx="minor"/>
-    </dgm:style>
-  </dgm:styleLbl>
-  <dgm:styleLbl name="bgShp">
-    <dgm:scene3d>
-      <a:camera prst="orthographicFront"/>
-      <a:lightRig rig="flat" dir="t"/>
-    </dgm:scene3d>
-    <dgm:sp3d z="-190500" extrusionH="12700" prstMaterial="plastic">
-      <a:bevelT w="50800" h="50800"/>
-    </dgm:sp3d>
-    <dgm:txPr/>
-    <dgm:style>
-      <a:lnRef idx="0">
-        <a:scrgbClr r="0" g="0" b="0"/>
-      </a:lnRef>
-      <a:fillRef idx="3">
-        <a:scrgbClr r="0" g="0" b="0"/>
-      </a:fillRef>
-      <a:effectRef idx="0">
-        <a:scrgbClr r="0" g="0" b="0"/>
-      </a:effectRef>
-      <a:fontRef idx="minor"/>
-    </dgm:style>
-  </dgm:styleLbl>
-  <dgm:styleLbl name="dkBgShp">
-    <dgm:scene3d>
-      <a:camera prst="orthographicFront"/>
-      <a:lightRig rig="flat" dir="t"/>
-    </dgm:scene3d>
-    <dgm:sp3d z="-190500" extrusionH="12700" prstMaterial="plastic">
-      <a:bevelT w="50800" h="50800"/>
-    </dgm:sp3d>
-    <dgm:txPr/>
-    <dgm:style>
-      <a:lnRef idx="0">
-        <a:scrgbClr r="0" g="0" b="0"/>
-      </a:lnRef>
-      <a:fillRef idx="2">
-        <a:scrgbClr r="0" g="0" b="0"/>
-      </a:fillRef>
-      <a:effectRef idx="0">
-        <a:scrgbClr r="0" g="0" b="0"/>
-      </a:effectRef>
-      <a:fontRef idx="minor"/>
-    </dgm:style>
-  </dgm:styleLbl>
-  <dgm:styleLbl name="trBgShp">
-    <dgm:scene3d>
-      <a:camera prst="orthographicFront"/>
-      <a:lightRig rig="flat" dir="t"/>
-    </dgm:scene3d>
-    <dgm:sp3d z="-190500" extrusionH="12700" prstMaterial="matte"/>
-    <dgm:txPr/>
-    <dgm:style>
-      <a:lnRef idx="0">
-        <a:scrgbClr r="0" g="0" b="0"/>
-      </a:lnRef>
-      <a:fillRef idx="1">
-        <a:scrgbClr r="0" g="0" b="0"/>
-      </a:fillRef>
-      <a:effectRef idx="0">
-        <a:scrgbClr r="0" g="0" b="0"/>
-      </a:effectRef>
-      <a:fontRef idx="minor"/>
-    </dgm:style>
-  </dgm:styleLbl>
-  <dgm:styleLbl name="fgShp">
-    <dgm:scene3d>
-      <a:camera prst="orthographicFront"/>
-      <a:lightRig rig="flat" dir="t"/>
-    </dgm:scene3d>
-    <dgm:sp3d z="190500" prstMaterial="plastic">
-      <a:bevelT w="120900" h="88900"/>
-      <a:bevelB w="88900" h="31750" prst="angle"/>
-    </dgm:sp3d>
-    <dgm:txPr/>
-    <dgm:style>
-      <a:lnRef idx="0">
-        <a:scrgbClr r="0" g="0" b="0"/>
-      </a:lnRef>
-      <a:fillRef idx="1">
-        <a:scrgbClr r="0" g="0" b="0"/>
-      </a:fillRef>
-      <a:effectRef idx="3">
-        <a:scrgbClr r="0" g="0" b="0"/>
-      </a:effectRef>
-      <a:fontRef idx="minor">
-        <a:schemeClr val="lt1"/>
-      </a:fontRef>
-    </dgm:style>
-  </dgm:styleLbl>
-  <dgm:styleLbl name="revTx">
-    <dgm:scene3d>
-      <a:camera prst="orthographicFront"/>
-      <a:lightRig rig="threePt" dir="t"/>
-    </dgm:scene3d>
-    <dgm:sp3d/>
-    <dgm:txPr/>
-    <dgm:style>
-      <a:lnRef idx="0">
-        <a:scrgbClr r="0" g="0" b="0"/>
-      </a:lnRef>
-      <a:fillRef idx="0">
-        <a:scrgbClr r="0" g="0" b="0"/>
-      </a:fillRef>
-      <a:effectRef idx="0">
-        <a:scrgbClr r="0" g="0" b="0"/>
-      </a:effectRef>
-      <a:fontRef idx="minor"/>
-    </dgm:style>
-  </dgm:styleLbl>
-</dgm:styleDef>
-</file>
-
-<file path=ppt/diagrams/quickStyle3.xml><?xml version="1.0" encoding="utf-8"?>
 <dgm:styleDef xmlns:dgm="http://schemas.openxmlformats.org/drawingml/2006/diagram" xmlns:a="http://schemas.openxmlformats.org/drawingml/2006/main" uniqueId="urn:microsoft.com/office/officeart/2005/8/quickstyle/simple3">
   <dgm:title val=""/>
   <dgm:desc val=""/>
@@ -8978,7 +6054,7 @@
           <a:p>
             <a:fld id="{B0BF461F-F829-4A4E-983F-63863F2DA7A2}" type="datetimeFigureOut">
               <a:rPr lang="en-US" smtClean="0"/>
-              <a:t>11/10/2017</a:t>
+              <a:t>11/17/2017</a:t>
             </a:fld>
             <a:endParaRPr lang="en-US" dirty="0"/>
           </a:p>
@@ -9245,195 +6321,6 @@
 </p:notesMaster>
 </file>
 
-<file path=ppt/notesSlides/notesSlide1.xml><?xml version="1.0" encoding="utf-8"?>
-<p:notes xmlns:a="http://schemas.openxmlformats.org/drawingml/2006/main" xmlns:r="http://schemas.openxmlformats.org/officeDocument/2006/relationships" xmlns:p="http://schemas.openxmlformats.org/presentationml/2006/main" showMasterSp="0" showMasterPhAnim="0">
-  <p:cSld>
-    <p:spTree>
-      <p:nvGrpSpPr>
-        <p:cNvPr id="1" name="Shape 105"/>
-        <p:cNvGrpSpPr/>
-        <p:nvPr/>
-      </p:nvGrpSpPr>
-      <p:grpSpPr>
-        <a:xfrm>
-          <a:off x="0" y="0"/>
-          <a:ext cx="0" cy="0"/>
-          <a:chOff x="0" y="0"/>
-          <a:chExt cx="0" cy="0"/>
-        </a:xfrm>
-      </p:grpSpPr>
-      <p:sp>
-        <p:nvSpPr>
-          <p:cNvPr id="106" name="Shape 106"/>
-          <p:cNvSpPr>
-            <a:spLocks noGrp="1" noRot="1" noChangeAspect="1"/>
-          </p:cNvSpPr>
-          <p:nvPr>
-            <p:ph type="sldImg" idx="2"/>
-          </p:nvPr>
-        </p:nvSpPr>
-        <p:spPr>
-          <a:xfrm>
-            <a:off x="427038" y="693738"/>
-            <a:ext cx="6156325" cy="3462337"/>
-          </a:xfrm>
-          <a:custGeom>
-            <a:avLst/>
-            <a:gdLst/>
-            <a:ahLst/>
-            <a:cxnLst/>
-            <a:rect l="0" t="0" r="0" b="0"/>
-            <a:pathLst>
-              <a:path w="120000" h="120000" extrusionOk="0">
-                <a:moveTo>
-                  <a:pt x="0" y="0"/>
-                </a:moveTo>
-                <a:lnTo>
-                  <a:pt x="120000" y="0"/>
-                </a:lnTo>
-                <a:lnTo>
-                  <a:pt x="120000" y="120000"/>
-                </a:lnTo>
-                <a:lnTo>
-                  <a:pt x="0" y="120000"/>
-                </a:lnTo>
-                <a:close/>
-              </a:path>
-            </a:pathLst>
-          </a:custGeom>
-          <a:noFill/>
-          <a:ln w="12700" cap="flat" cmpd="sng">
-            <a:solidFill>
-              <a:srgbClr val="000000"/>
-            </a:solidFill>
-            <a:prstDash val="solid"/>
-            <a:round/>
-            <a:headEnd type="none" w="med" len="med"/>
-            <a:tailEnd type="none" w="med" len="med"/>
-          </a:ln>
-        </p:spPr>
-      </p:sp>
-      <p:sp>
-        <p:nvSpPr>
-          <p:cNvPr id="107" name="Shape 107"/>
-          <p:cNvSpPr txBox="1">
-            <a:spLocks noGrp="1"/>
-          </p:cNvSpPr>
-          <p:nvPr>
-            <p:ph type="body" idx="1"/>
-          </p:nvPr>
-        </p:nvSpPr>
-        <p:spPr>
-          <a:xfrm>
-            <a:off x="701039" y="4387135"/>
-            <a:ext cx="5608319" cy="4156234"/>
-          </a:xfrm>
-          <a:prstGeom prst="rect">
-            <a:avLst/>
-          </a:prstGeom>
-          <a:noFill/>
-          <a:ln>
-            <a:noFill/>
-          </a:ln>
-        </p:spPr>
-        <p:txBody>
-          <a:bodyPr lIns="94575" tIns="47275" rIns="94575" bIns="47275" anchor="t" anchorCtr="0">
-            <a:noAutofit/>
-          </a:bodyPr>
-          <a:lstStyle/>
-          <a:p>
-            <a:pPr marL="0" marR="0" lvl="0" indent="0" algn="l" rtl="0">
-              <a:spcBef>
-                <a:spcPts val="0"/>
-              </a:spcBef>
-              <a:buSzPct val="25000"/>
-              <a:buNone/>
-            </a:pPr>
-            <a:endParaRPr sz="1200" b="0" i="0" u="none" strike="noStrike" cap="none" dirty="0">
-              <a:solidFill>
-                <a:schemeClr val="dk1"/>
-              </a:solidFill>
-              <a:latin typeface="Arial"/>
-              <a:ea typeface="Arial"/>
-              <a:cs typeface="Arial"/>
-              <a:sym typeface="Arial"/>
-            </a:endParaRPr>
-          </a:p>
-        </p:txBody>
-      </p:sp>
-      <p:sp>
-        <p:nvSpPr>
-          <p:cNvPr id="108" name="Shape 108"/>
-          <p:cNvSpPr txBox="1">
-            <a:spLocks noGrp="1"/>
-          </p:cNvSpPr>
-          <p:nvPr>
-            <p:ph type="sldNum" idx="12"/>
-          </p:nvPr>
-        </p:nvSpPr>
-        <p:spPr>
-          <a:xfrm>
-            <a:off x="3970939" y="8772668"/>
-            <a:ext cx="3037839" cy="461804"/>
-          </a:xfrm>
-          <a:prstGeom prst="rect">
-            <a:avLst/>
-          </a:prstGeom>
-          <a:noFill/>
-          <a:ln>
-            <a:noFill/>
-          </a:ln>
-        </p:spPr>
-        <p:txBody>
-          <a:bodyPr lIns="94575" tIns="47275" rIns="94575" bIns="47275" anchor="b" anchorCtr="0">
-            <a:noAutofit/>
-          </a:bodyPr>
-          <a:lstStyle/>
-          <a:p>
-            <a:pPr marL="0" marR="0" lvl="0" indent="0" algn="r" rtl="0">
-              <a:spcBef>
-                <a:spcPts val="0"/>
-              </a:spcBef>
-              <a:buSzPct val="25000"/>
-              <a:buNone/>
-            </a:pPr>
-            <a:fld id="{00000000-1234-1234-1234-123412341234}" type="slidenum">
-              <a:rPr lang="en-US" sz="1200">
-                <a:solidFill>
-                  <a:schemeClr val="dk1"/>
-                </a:solidFill>
-                <a:latin typeface="Arial"/>
-                <a:ea typeface="Arial"/>
-                <a:cs typeface="Arial"/>
-                <a:sym typeface="Arial"/>
-              </a:rPr>
-              <a:t>3</a:t>
-            </a:fld>
-            <a:endParaRPr lang="en-US" sz="1200" dirty="0">
-              <a:solidFill>
-                <a:schemeClr val="dk1"/>
-              </a:solidFill>
-              <a:latin typeface="Arial"/>
-              <a:ea typeface="Arial"/>
-              <a:cs typeface="Arial"/>
-              <a:sym typeface="Arial"/>
-            </a:endParaRPr>
-          </a:p>
-        </p:txBody>
-      </p:sp>
-    </p:spTree>
-    <p:extLst>
-      <p:ext uri="{BB962C8B-B14F-4D97-AF65-F5344CB8AC3E}">
-        <p14:creationId xmlns:p14="http://schemas.microsoft.com/office/powerpoint/2010/main" val="2754275236"/>
-      </p:ext>
-    </p:extLst>
-  </p:cSld>
-  <p:clrMapOvr>
-    <a:masterClrMapping/>
-  </p:clrMapOvr>
-</p:notes>
-</file>
-
 <file path=ppt/slideLayouts/slideLayout1.xml><?xml version="1.0" encoding="utf-8"?>
 <p:sldLayout xmlns:a="http://schemas.openxmlformats.org/drawingml/2006/main" xmlns:r="http://schemas.openxmlformats.org/officeDocument/2006/relationships" xmlns:p="http://schemas.openxmlformats.org/presentationml/2006/main" type="title" preserve="1">
   <p:cSld name="Title Slide">
@@ -9581,7 +6468,7 @@
           <a:p>
             <a:fld id="{5FDEB622-33F5-4E43-8182-D493A0D558C7}" type="datetimeFigureOut">
               <a:rPr lang="en-US" smtClean="0"/>
-              <a:t>11/10/2017</a:t>
+              <a:t>11/17/2017</a:t>
             </a:fld>
             <a:endParaRPr lang="en-US" dirty="0"/>
           </a:p>
@@ -9779,7 +6666,7 @@
           <a:p>
             <a:fld id="{5FDEB622-33F5-4E43-8182-D493A0D558C7}" type="datetimeFigureOut">
               <a:rPr lang="en-US" smtClean="0"/>
-              <a:t>11/10/2017</a:t>
+              <a:t>11/17/2017</a:t>
             </a:fld>
             <a:endParaRPr lang="en-US" dirty="0"/>
           </a:p>
@@ -9987,7 +6874,7 @@
           <a:p>
             <a:fld id="{5FDEB622-33F5-4E43-8182-D493A0D558C7}" type="datetimeFigureOut">
               <a:rPr lang="en-US" smtClean="0"/>
-              <a:t>11/10/2017</a:t>
+              <a:t>11/17/2017</a:t>
             </a:fld>
             <a:endParaRPr lang="en-US" dirty="0"/>
           </a:p>
@@ -10322,7 +7209,7 @@
           <a:p>
             <a:fld id="{5FDEB622-33F5-4E43-8182-D493A0D558C7}" type="datetimeFigureOut">
               <a:rPr lang="en-US" smtClean="0"/>
-              <a:t>11/10/2017</a:t>
+              <a:t>11/17/2017</a:t>
             </a:fld>
             <a:endParaRPr lang="en-US" dirty="0"/>
           </a:p>
@@ -10597,7 +7484,7 @@
           <a:p>
             <a:fld id="{5FDEB622-33F5-4E43-8182-D493A0D558C7}" type="datetimeFigureOut">
               <a:rPr lang="en-US" smtClean="0"/>
-              <a:t>11/10/2017</a:t>
+              <a:t>11/17/2017</a:t>
             </a:fld>
             <a:endParaRPr lang="en-US" dirty="0"/>
           </a:p>
@@ -10862,7 +7749,7 @@
           <a:p>
             <a:fld id="{5FDEB622-33F5-4E43-8182-D493A0D558C7}" type="datetimeFigureOut">
               <a:rPr lang="en-US" smtClean="0"/>
-              <a:t>11/10/2017</a:t>
+              <a:t>11/17/2017</a:t>
             </a:fld>
             <a:endParaRPr lang="en-US" dirty="0"/>
           </a:p>
@@ -11274,7 +8161,7 @@
           <a:p>
             <a:fld id="{5FDEB622-33F5-4E43-8182-D493A0D558C7}" type="datetimeFigureOut">
               <a:rPr lang="en-US" smtClean="0"/>
-              <a:t>11/10/2017</a:t>
+              <a:t>11/17/2017</a:t>
             </a:fld>
             <a:endParaRPr lang="en-US" dirty="0"/>
           </a:p>
@@ -11415,7 +8302,7 @@
           <a:p>
             <a:fld id="{5FDEB622-33F5-4E43-8182-D493A0D558C7}" type="datetimeFigureOut">
               <a:rPr lang="en-US" smtClean="0"/>
-              <a:t>11/10/2017</a:t>
+              <a:t>11/17/2017</a:t>
             </a:fld>
             <a:endParaRPr lang="en-US" dirty="0"/>
           </a:p>
@@ -11528,7 +8415,7 @@
           <a:p>
             <a:fld id="{5FDEB622-33F5-4E43-8182-D493A0D558C7}" type="datetimeFigureOut">
               <a:rPr lang="en-US" smtClean="0"/>
-              <a:t>11/10/2017</a:t>
+              <a:t>11/17/2017</a:t>
             </a:fld>
             <a:endParaRPr lang="en-US" dirty="0"/>
           </a:p>
@@ -11839,7 +8726,7 @@
           <a:p>
             <a:fld id="{5FDEB622-33F5-4E43-8182-D493A0D558C7}" type="datetimeFigureOut">
               <a:rPr lang="en-US" smtClean="0"/>
-              <a:t>11/10/2017</a:t>
+              <a:t>11/17/2017</a:t>
             </a:fld>
             <a:endParaRPr lang="en-US" dirty="0"/>
           </a:p>
@@ -12127,7 +9014,7 @@
           <a:p>
             <a:fld id="{5FDEB622-33F5-4E43-8182-D493A0D558C7}" type="datetimeFigureOut">
               <a:rPr lang="en-US" smtClean="0"/>
-              <a:t>11/10/2017</a:t>
+              <a:t>11/17/2017</a:t>
             </a:fld>
             <a:endParaRPr lang="en-US" dirty="0"/>
           </a:p>
@@ -12368,7 +9255,7 @@
           <a:p>
             <a:fld id="{5FDEB622-33F5-4E43-8182-D493A0D558C7}" type="datetimeFigureOut">
               <a:rPr lang="en-US" smtClean="0"/>
-              <a:t>11/10/2017</a:t>
+              <a:t>11/17/2017</a:t>
             </a:fld>
             <a:endParaRPr lang="en-US" dirty="0"/>
           </a:p>
@@ -12885,8 +9772,8 @@
         </p:nvSpPr>
         <p:spPr>
           <a:xfrm>
-            <a:off x="0" y="2514513"/>
-            <a:ext cx="12192000" cy="2073630"/>
+            <a:off x="0" y="1538454"/>
+            <a:ext cx="12192000" cy="2953536"/>
           </a:xfrm>
           <a:prstGeom prst="rect">
             <a:avLst/>
@@ -12899,7 +9786,7 @@
         </p:spPr>
         <p:txBody>
           <a:bodyPr vert="horz" lIns="91440" tIns="45720" rIns="91440" bIns="45720" rtlCol="0" anchor="b">
-            <a:noAutofit/>
+            <a:normAutofit fontScale="92500"/>
           </a:bodyPr>
           <a:lstStyle>
             <a:lvl1pPr algn="ctr" defTabSz="914400" rtl="0" eaLnBrk="1" latinLnBrk="0" hangingPunct="1">
@@ -12927,12 +9814,10 @@
               </a:lnSpc>
             </a:pPr>
             <a:r>
-              <a:rPr lang="en-US" sz="5400" b="1" dirty="0">
-                <a:latin typeface="+mn-lt"/>
-              </a:rPr>
+              <a:rPr lang="en-US" sz="6600" b="1" dirty="0"/>
               <a:t>House Sales Price Prediction</a:t>
             </a:r>
-            <a:endParaRPr lang="en-US" sz="5400" b="1" dirty="0">
+            <a:endParaRPr lang="en-US" sz="6600" b="1" dirty="0">
               <a:solidFill>
                 <a:schemeClr val="bg1"/>
               </a:solidFill>
@@ -12943,7 +9828,7 @@
                   </a:prstClr>
                 </a:outerShdw>
               </a:effectLst>
-              <a:latin typeface="+mn-lt"/>
+              <a:latin typeface="Aharoni" panose="02010803020104030203" pitchFamily="2" charset="-79"/>
               <a:cs typeface="Aharoni" panose="02010803020104030203" pitchFamily="2" charset="-79"/>
             </a:endParaRPr>
           </a:p>
@@ -13130,7 +10015,7 @@
               <a:buSzPct val="25000"/>
             </a:pPr>
             <a:r>
-              <a:rPr lang="en-US" sz="4000" b="1" dirty="0">
+              <a:rPr lang="en-US" sz="3600" b="1" dirty="0">
                 <a:latin typeface="Arial" panose="020B0604020202020204" pitchFamily="34" charset="0"/>
                 <a:cs typeface="Arial" panose="020B0604020202020204" pitchFamily="34" charset="0"/>
               </a:rPr>
@@ -13188,7 +10073,7 @@
   <p:cSld>
     <p:spTree>
       <p:nvGrpSpPr>
-        <p:cNvPr id="1" name="Shape 109"/>
+        <p:cNvPr id="1" name=""/>
         <p:cNvGrpSpPr/>
         <p:nvPr/>
       </p:nvGrpSpPr>
@@ -13200,40 +10085,12 @@
           <a:chExt cx="0" cy="0"/>
         </a:xfrm>
       </p:grpSpPr>
-      <p:graphicFrame>
-        <p:nvGraphicFramePr>
-          <p:cNvPr id="5" name="Diagram 4">
+      <p:sp>
+        <p:nvSpPr>
+          <p:cNvPr id="3" name="Title 5">
             <a:extLst>
               <a:ext uri="{FF2B5EF4-FFF2-40B4-BE49-F238E27FC236}">
-                <a16:creationId xmlns:a16="http://schemas.microsoft.com/office/drawing/2014/main" id="{8B15B0EE-0BD7-4D40-99F9-1EACEE5B5273}"/>
-              </a:ext>
-            </a:extLst>
-          </p:cNvPr>
-          <p:cNvGraphicFramePr/>
-          <p:nvPr>
-            <p:extLst>
-              <p:ext uri="{D42A27DB-BD31-4B8C-83A1-F6EECF244321}">
-                <p14:modId xmlns:p14="http://schemas.microsoft.com/office/powerpoint/2010/main" val="2834849321"/>
-              </p:ext>
-            </p:extLst>
-          </p:nvPr>
-        </p:nvGraphicFramePr>
-        <p:xfrm>
-          <a:off x="433633" y="1272619"/>
-          <a:ext cx="10920167" cy="5184742"/>
-        </p:xfrm>
-        <a:graphic>
-          <a:graphicData uri="http://schemas.openxmlformats.org/drawingml/2006/diagram">
-            <dgm:relIds xmlns:dgm="http://schemas.openxmlformats.org/drawingml/2006/diagram" xmlns:r="http://schemas.openxmlformats.org/officeDocument/2006/relationships" r:dm="rId3" r:lo="rId4" r:qs="rId5" r:cs="rId6"/>
-          </a:graphicData>
-        </a:graphic>
-      </p:graphicFrame>
-      <p:sp>
-        <p:nvSpPr>
-          <p:cNvPr id="4" name="Shape 369">
-            <a:extLst>
-              <a:ext uri="{FF2B5EF4-FFF2-40B4-BE49-F238E27FC236}">
-                <a16:creationId xmlns:a16="http://schemas.microsoft.com/office/drawing/2014/main" id="{7245ED60-C047-44F5-95DB-14404B2B7C8E}"/>
+                <a16:creationId xmlns:a16="http://schemas.microsoft.com/office/drawing/2014/main" id="{384416ED-BD0C-41E1-BD66-806DE37B3E39}"/>
               </a:ext>
             </a:extLst>
           </p:cNvPr>
@@ -13244,8 +10101,8 @@
         </p:nvSpPr>
         <p:spPr>
           <a:xfrm>
-            <a:off x="-2" y="0"/>
-            <a:ext cx="12191999" cy="1244338"/>
+            <a:off x="0" y="-47135"/>
+            <a:ext cx="12193198" cy="1112363"/>
           </a:xfrm>
           <a:prstGeom prst="rect">
             <a:avLst/>
@@ -13255,57 +10112,833 @@
               <a:lumMod val="75000"/>
             </a:schemeClr>
           </a:solidFill>
-          <a:ln>
-            <a:solidFill>
-              <a:srgbClr val="0070C0"/>
-            </a:solidFill>
-          </a:ln>
         </p:spPr>
         <p:txBody>
-          <a:bodyPr vert="horz" lIns="0" tIns="0" rIns="0" bIns="0" rtlCol="0" anchor="t" anchorCtr="0">
+          <a:bodyPr vert="horz" lIns="91440" tIns="45720" rIns="91440" bIns="45720" rtlCol="0" anchor="b">
             <a:noAutofit/>
           </a:bodyPr>
           <a:lstStyle>
-            <a:defPPr>
-              <a:defRPr lang="en-US"/>
-            </a:defPPr>
-            <a:lvl1pPr algn="ctr">
+            <a:lvl1pPr algn="ctr" defTabSz="914400" rtl="0" eaLnBrk="1" latinLnBrk="0" hangingPunct="1">
               <a:lnSpc>
-                <a:spcPct val="200000"/>
+                <a:spcPct val="90000"/>
               </a:lnSpc>
               <a:spcBef>
                 <a:spcPct val="0"/>
               </a:spcBef>
-              <a:buSzPct val="25000"/>
               <a:buNone/>
-              <a:defRPr sz="4000" b="1">
-                <a:latin typeface="Arial" panose="020B0604020202020204" pitchFamily="34" charset="0"/>
+              <a:defRPr sz="6000" kern="1200">
+                <a:solidFill>
+                  <a:schemeClr val="tx1"/>
+                </a:solidFill>
+                <a:latin typeface="+mj-lt"/>
                 <a:ea typeface="+mj-ea"/>
-                <a:cs typeface="Arial" panose="020B0604020202020204" pitchFamily="34" charset="0"/>
+                <a:cs typeface="+mj-cs"/>
               </a:defRPr>
             </a:lvl1pPr>
           </a:lstStyle>
           <a:p>
             <a:r>
-              <a:rPr lang="en-US" dirty="0"/>
-              <a:t>Use Case</a:t>
+              <a:rPr lang="en-US" sz="3600" b="1" dirty="0">
+                <a:latin typeface="Arial" panose="020B0604020202020204" pitchFamily="34" charset="0"/>
+                <a:cs typeface="Arial" panose="020B0604020202020204" pitchFamily="34" charset="0"/>
+              </a:rPr>
+              <a:t>Use</a:t>
+            </a:r>
+            <a:r>
+              <a:rPr lang="en-US" sz="3200" dirty="0"/>
+              <a:t> </a:t>
+            </a:r>
+            <a:r>
+              <a:rPr lang="en-US" sz="3600" b="1" dirty="0">
+                <a:latin typeface="Arial" panose="020B0604020202020204" pitchFamily="34" charset="0"/>
+                <a:cs typeface="Arial" panose="020B0604020202020204" pitchFamily="34" charset="0"/>
+              </a:rPr>
+              <a:t>Case</a:t>
             </a:r>
           </a:p>
         </p:txBody>
       </p:sp>
+      <p:sp>
+        <p:nvSpPr>
+          <p:cNvPr id="5" name="Content Placeholder 4">
+            <a:extLst>
+              <a:ext uri="{FF2B5EF4-FFF2-40B4-BE49-F238E27FC236}">
+                <a16:creationId xmlns:a16="http://schemas.microsoft.com/office/drawing/2014/main" id="{67DC5CE0-5470-4DDE-B875-1636CC9DFA99}"/>
+              </a:ext>
+            </a:extLst>
+          </p:cNvPr>
+          <p:cNvSpPr>
+            <a:spLocks noGrp="1"/>
+          </p:cNvSpPr>
+          <p:nvPr>
+            <p:ph idx="1"/>
+          </p:nvPr>
+        </p:nvSpPr>
+        <p:spPr>
+          <a:xfrm>
+            <a:off x="179109" y="1263192"/>
+            <a:ext cx="11792932" cy="5524107"/>
+          </a:xfrm>
+        </p:spPr>
+        <p:txBody>
+          <a:bodyPr>
+            <a:normAutofit/>
+          </a:bodyPr>
+          <a:lstStyle/>
+          <a:p>
+            <a:pPr marL="0" indent="0">
+              <a:buNone/>
+            </a:pPr>
+            <a:r>
+              <a:rPr lang="en-US" dirty="0"/>
+              <a:t>	User – Buyer or Seller																																																																																													</a:t>
+            </a:r>
+          </a:p>
+          <a:p>
+            <a:pPr marL="0" indent="0">
+              <a:buNone/>
+            </a:pPr>
+            <a:r>
+              <a:rPr lang="en-US" dirty="0"/>
+              <a:t>	User – Real Estate Agent</a:t>
+            </a:r>
+          </a:p>
+          <a:p>
+            <a:pPr marL="0" indent="0">
+              <a:buNone/>
+            </a:pPr>
+            <a:endParaRPr lang="en-US" dirty="0"/>
+          </a:p>
+          <a:p>
+            <a:pPr marL="0" indent="0">
+              <a:buNone/>
+            </a:pPr>
+            <a:endParaRPr lang="en-US" dirty="0"/>
+          </a:p>
+        </p:txBody>
+      </p:sp>
+      <p:pic>
+        <p:nvPicPr>
+          <p:cNvPr id="6" name="Picture 5">
+            <a:extLst>
+              <a:ext uri="{FF2B5EF4-FFF2-40B4-BE49-F238E27FC236}">
+                <a16:creationId xmlns:a16="http://schemas.microsoft.com/office/drawing/2014/main" id="{9F78DDFB-145F-404B-BA15-4C4F7C0A33E9}"/>
+              </a:ext>
+            </a:extLst>
+          </p:cNvPr>
+          <p:cNvPicPr>
+            <a:picLocks noChangeAspect="1"/>
+          </p:cNvPicPr>
+          <p:nvPr/>
+        </p:nvPicPr>
+        <p:blipFill>
+          <a:blip r:embed="rId2">
+            <a:extLst>
+              <a:ext uri="{28A0092B-C50C-407E-A947-70E740481C1C}">
+                <a14:useLocalDpi xmlns:a14="http://schemas.microsoft.com/office/drawing/2010/main" val="0"/>
+              </a:ext>
+            </a:extLst>
+          </a:blip>
+          <a:stretch>
+            <a:fillRect/>
+          </a:stretch>
+        </p:blipFill>
+        <p:spPr>
+          <a:xfrm>
+            <a:off x="329938" y="1263192"/>
+            <a:ext cx="767872" cy="897281"/>
+          </a:xfrm>
+          <a:prstGeom prst="rect">
+            <a:avLst/>
+          </a:prstGeom>
+        </p:spPr>
+      </p:pic>
+      <p:sp>
+        <p:nvSpPr>
+          <p:cNvPr id="7" name="Shape 768">
+            <a:extLst>
+              <a:ext uri="{FF2B5EF4-FFF2-40B4-BE49-F238E27FC236}">
+                <a16:creationId xmlns:a16="http://schemas.microsoft.com/office/drawing/2014/main" id="{02D40A70-8E3C-46D9-AE37-772EE1219009}"/>
+              </a:ext>
+            </a:extLst>
+          </p:cNvPr>
+          <p:cNvSpPr/>
+          <p:nvPr/>
+        </p:nvSpPr>
+        <p:spPr>
+          <a:xfrm>
+            <a:off x="5722071" y="1263193"/>
+            <a:ext cx="6249969" cy="2244921"/>
+          </a:xfrm>
+          <a:prstGeom prst="rect">
+            <a:avLst/>
+          </a:prstGeom>
+          <a:solidFill>
+            <a:srgbClr val="ECFFC3"/>
+          </a:solidFill>
+          <a:ln>
+            <a:noFill/>
+          </a:ln>
+        </p:spPr>
+        <p:txBody>
+          <a:bodyPr lIns="121900" tIns="60933" rIns="121900" bIns="60933" anchor="t" anchorCtr="0">
+            <a:noAutofit/>
+          </a:bodyPr>
+          <a:lstStyle/>
+          <a:p>
+            <a:pPr marL="0" lvl="1" defTabSz="1244600">
+              <a:lnSpc>
+                <a:spcPct val="90000"/>
+              </a:lnSpc>
+              <a:spcBef>
+                <a:spcPct val="0"/>
+              </a:spcBef>
+              <a:spcAft>
+                <a:spcPct val="20000"/>
+              </a:spcAft>
+            </a:pPr>
+            <a:r>
+              <a:rPr lang="en-US" sz="2400" dirty="0">
+                <a:solidFill>
+                  <a:prstClr val="black">
+                    <a:hueOff val="0"/>
+                    <a:satOff val="0"/>
+                    <a:lumOff val="0"/>
+                    <a:alphaOff val="0"/>
+                  </a:prstClr>
+                </a:solidFill>
+                <a:latin typeface="Calibri" panose="020F0502020204030204"/>
+              </a:rPr>
+              <a:t>User will input the Data</a:t>
+            </a:r>
+          </a:p>
+          <a:p>
+            <a:pPr marL="742950" lvl="2" indent="-285750" defTabSz="1244600">
+              <a:lnSpc>
+                <a:spcPct val="90000"/>
+              </a:lnSpc>
+              <a:spcBef>
+                <a:spcPct val="0"/>
+              </a:spcBef>
+              <a:spcAft>
+                <a:spcPct val="20000"/>
+              </a:spcAft>
+              <a:buFont typeface="Courier New" panose="02070309020205020404" pitchFamily="49" charset="0"/>
+              <a:buChar char="o"/>
+            </a:pPr>
+            <a:r>
+              <a:rPr lang="en-US" sz="2000" dirty="0">
+                <a:solidFill>
+                  <a:prstClr val="black">
+                    <a:hueOff val="0"/>
+                    <a:satOff val="0"/>
+                    <a:lumOff val="0"/>
+                    <a:alphaOff val="0"/>
+                  </a:prstClr>
+                </a:solidFill>
+                <a:latin typeface="Calibri" panose="020F0502020204030204"/>
+              </a:rPr>
+              <a:t>Location</a:t>
+            </a:r>
+          </a:p>
+          <a:p>
+            <a:pPr marL="742950" lvl="2" indent="-285750" defTabSz="1244600">
+              <a:lnSpc>
+                <a:spcPct val="90000"/>
+              </a:lnSpc>
+              <a:spcBef>
+                <a:spcPct val="0"/>
+              </a:spcBef>
+              <a:spcAft>
+                <a:spcPct val="20000"/>
+              </a:spcAft>
+              <a:buFont typeface="Courier New" panose="02070309020205020404" pitchFamily="49" charset="0"/>
+              <a:buChar char="o"/>
+            </a:pPr>
+            <a:r>
+              <a:rPr lang="en-US" sz="2000" dirty="0">
+                <a:solidFill>
+                  <a:prstClr val="black">
+                    <a:hueOff val="0"/>
+                    <a:satOff val="0"/>
+                    <a:lumOff val="0"/>
+                    <a:alphaOff val="0"/>
+                  </a:prstClr>
+                </a:solidFill>
+                <a:latin typeface="Calibri" panose="020F0502020204030204"/>
+              </a:rPr>
+              <a:t>Number of Bedroom</a:t>
+            </a:r>
+          </a:p>
+          <a:p>
+            <a:pPr marL="742950" lvl="2" indent="-285750" defTabSz="1244600">
+              <a:lnSpc>
+                <a:spcPct val="90000"/>
+              </a:lnSpc>
+              <a:spcBef>
+                <a:spcPct val="0"/>
+              </a:spcBef>
+              <a:spcAft>
+                <a:spcPct val="20000"/>
+              </a:spcAft>
+              <a:buFont typeface="Courier New" panose="02070309020205020404" pitchFamily="49" charset="0"/>
+              <a:buChar char="o"/>
+            </a:pPr>
+            <a:r>
+              <a:rPr lang="en-US" sz="2000" dirty="0">
+                <a:solidFill>
+                  <a:prstClr val="black">
+                    <a:hueOff val="0"/>
+                    <a:satOff val="0"/>
+                    <a:lumOff val="0"/>
+                    <a:alphaOff val="0"/>
+                  </a:prstClr>
+                </a:solidFill>
+                <a:latin typeface="Calibri" panose="020F0502020204030204"/>
+              </a:rPr>
+              <a:t>Number of Bathrooms</a:t>
+            </a:r>
+          </a:p>
+          <a:p>
+            <a:pPr marL="742950" lvl="2" indent="-285750" defTabSz="1244600">
+              <a:lnSpc>
+                <a:spcPct val="90000"/>
+              </a:lnSpc>
+              <a:spcBef>
+                <a:spcPct val="0"/>
+              </a:spcBef>
+              <a:spcAft>
+                <a:spcPct val="20000"/>
+              </a:spcAft>
+              <a:buFont typeface="Courier New" panose="02070309020205020404" pitchFamily="49" charset="0"/>
+              <a:buChar char="o"/>
+            </a:pPr>
+            <a:r>
+              <a:rPr lang="en-US" sz="2000" dirty="0">
+                <a:solidFill>
+                  <a:prstClr val="black">
+                    <a:hueOff val="0"/>
+                    <a:satOff val="0"/>
+                    <a:lumOff val="0"/>
+                    <a:alphaOff val="0"/>
+                  </a:prstClr>
+                </a:solidFill>
+                <a:latin typeface="Calibri" panose="020F0502020204030204"/>
+              </a:rPr>
+              <a:t>Pool</a:t>
+            </a:r>
+          </a:p>
+          <a:p>
+            <a:pPr marL="742950" lvl="2" indent="-285750" defTabSz="1244600">
+              <a:lnSpc>
+                <a:spcPct val="90000"/>
+              </a:lnSpc>
+              <a:spcBef>
+                <a:spcPct val="0"/>
+              </a:spcBef>
+              <a:spcAft>
+                <a:spcPct val="20000"/>
+              </a:spcAft>
+              <a:buFont typeface="Courier New" panose="02070309020205020404" pitchFamily="49" charset="0"/>
+              <a:buChar char="o"/>
+            </a:pPr>
+            <a:r>
+              <a:rPr lang="en-US" sz="2000" dirty="0">
+                <a:solidFill>
+                  <a:prstClr val="black">
+                    <a:hueOff val="0"/>
+                    <a:satOff val="0"/>
+                    <a:lumOff val="0"/>
+                    <a:alphaOff val="0"/>
+                  </a:prstClr>
+                </a:solidFill>
+                <a:latin typeface="Calibri" panose="020F0502020204030204"/>
+              </a:rPr>
+              <a:t>Garage and more</a:t>
+            </a:r>
+          </a:p>
+          <a:p>
+            <a:pPr lvl="0"/>
+            <a:r>
+              <a:rPr lang="en-US" sz="1100" dirty="0"/>
+              <a:t>  </a:t>
+            </a:r>
+          </a:p>
+        </p:txBody>
+      </p:sp>
+      <p:grpSp>
+        <p:nvGrpSpPr>
+          <p:cNvPr id="8" name="Group 7">
+            <a:extLst>
+              <a:ext uri="{FF2B5EF4-FFF2-40B4-BE49-F238E27FC236}">
+                <a16:creationId xmlns:a16="http://schemas.microsoft.com/office/drawing/2014/main" id="{3BE5A8A0-A918-4764-A7B0-772D73450E90}"/>
+              </a:ext>
+            </a:extLst>
+          </p:cNvPr>
+          <p:cNvGrpSpPr/>
+          <p:nvPr/>
+        </p:nvGrpSpPr>
+        <p:grpSpPr>
+          <a:xfrm>
+            <a:off x="5800134" y="3508111"/>
+            <a:ext cx="6171905" cy="630254"/>
+            <a:chOff x="555716" y="5135982"/>
+            <a:chExt cx="11256629" cy="953903"/>
+          </a:xfrm>
+          <a:scene3d>
+            <a:camera prst="orthographicFront"/>
+            <a:lightRig rig="flat" dir="t"/>
+          </a:scene3d>
+        </p:grpSpPr>
+        <p:sp>
+          <p:nvSpPr>
+            <p:cNvPr id="9" name="Rectangle: Rounded Corners 8">
+              <a:extLst>
+                <a:ext uri="{FF2B5EF4-FFF2-40B4-BE49-F238E27FC236}">
+                  <a16:creationId xmlns:a16="http://schemas.microsoft.com/office/drawing/2014/main" id="{3D0E86A9-F763-4207-875D-454F070CA3E8}"/>
+                </a:ext>
+              </a:extLst>
+            </p:cNvPr>
+            <p:cNvSpPr/>
+            <p:nvPr/>
+          </p:nvSpPr>
+          <p:spPr>
+            <a:xfrm>
+              <a:off x="555716" y="5135984"/>
+              <a:ext cx="10920168" cy="863460"/>
+            </a:xfrm>
+            <a:prstGeom prst="roundRect">
+              <a:avLst/>
+            </a:prstGeom>
+            <a:solidFill>
+              <a:schemeClr val="accent6">
+                <a:lumMod val="40000"/>
+                <a:lumOff val="60000"/>
+              </a:schemeClr>
+            </a:solidFill>
+            <a:ln>
+              <a:solidFill>
+                <a:schemeClr val="accent6">
+                  <a:lumMod val="50000"/>
+                </a:schemeClr>
+              </a:solidFill>
+            </a:ln>
+            <a:sp3d prstMaterial="plastic">
+              <a:bevelT w="120900" h="88900"/>
+              <a:bevelB w="88900" h="31750" prst="angle"/>
+            </a:sp3d>
+          </p:spPr>
+          <p:style>
+            <a:lnRef idx="0">
+              <a:scrgbClr r="0" g="0" b="0"/>
+            </a:lnRef>
+            <a:fillRef idx="3">
+              <a:scrgbClr r="0" g="0" b="0"/>
+            </a:fillRef>
+            <a:effectRef idx="2">
+              <a:schemeClr val="lt1">
+                <a:hueOff val="0"/>
+                <a:satOff val="0"/>
+                <a:lumOff val="0"/>
+                <a:alphaOff val="0"/>
+              </a:schemeClr>
+            </a:effectRef>
+            <a:fontRef idx="minor">
+              <a:schemeClr val="dk1">
+                <a:hueOff val="0"/>
+                <a:satOff val="0"/>
+                <a:lumOff val="0"/>
+                <a:alphaOff val="0"/>
+              </a:schemeClr>
+            </a:fontRef>
+          </p:style>
+        </p:sp>
+        <p:sp>
+          <p:nvSpPr>
+            <p:cNvPr id="10" name="Rectangle: Rounded Corners 4">
+              <a:extLst>
+                <a:ext uri="{FF2B5EF4-FFF2-40B4-BE49-F238E27FC236}">
+                  <a16:creationId xmlns:a16="http://schemas.microsoft.com/office/drawing/2014/main" id="{5DADEA98-2D02-4FD1-A131-1E89FB169425}"/>
+                </a:ext>
+              </a:extLst>
+            </p:cNvPr>
+            <p:cNvSpPr txBox="1"/>
+            <p:nvPr/>
+          </p:nvSpPr>
+          <p:spPr>
+            <a:xfrm>
+              <a:off x="555716" y="5135982"/>
+              <a:ext cx="11256629" cy="953903"/>
+            </a:xfrm>
+            <a:prstGeom prst="rect">
+              <a:avLst/>
+            </a:prstGeom>
+            <a:sp3d/>
+          </p:spPr>
+          <p:style>
+            <a:lnRef idx="0">
+              <a:scrgbClr r="0" g="0" b="0"/>
+            </a:lnRef>
+            <a:fillRef idx="0">
+              <a:scrgbClr r="0" g="0" b="0"/>
+            </a:fillRef>
+            <a:effectRef idx="0">
+              <a:scrgbClr r="0" g="0" b="0"/>
+            </a:effectRef>
+            <a:fontRef idx="minor">
+              <a:schemeClr val="dk1">
+                <a:hueOff val="0"/>
+                <a:satOff val="0"/>
+                <a:lumOff val="0"/>
+                <a:alphaOff val="0"/>
+              </a:schemeClr>
+            </a:fontRef>
+          </p:style>
+          <p:txBody>
+            <a:bodyPr spcFirstLastPara="0" vert="horz" wrap="square" lIns="137160" tIns="137160" rIns="137160" bIns="137160" numCol="1" spcCol="1270" anchor="ctr" anchorCtr="0">
+              <a:noAutofit/>
+            </a:bodyPr>
+            <a:lstStyle/>
+            <a:p>
+              <a:pPr marL="0" lvl="0" indent="0" algn="l" defTabSz="1600200">
+                <a:lnSpc>
+                  <a:spcPct val="90000"/>
+                </a:lnSpc>
+                <a:spcBef>
+                  <a:spcPct val="0"/>
+                </a:spcBef>
+                <a:spcAft>
+                  <a:spcPct val="35000"/>
+                </a:spcAft>
+                <a:buNone/>
+              </a:pPr>
+              <a:r>
+                <a:rPr lang="en-US" kern="1200" dirty="0"/>
+                <a:t>User will get the sales price of the house based on the data entered </a:t>
+              </a:r>
+            </a:p>
+          </p:txBody>
+        </p:sp>
+      </p:grpSp>
+      <p:pic>
+        <p:nvPicPr>
+          <p:cNvPr id="11" name="Picture 10">
+            <a:extLst>
+              <a:ext uri="{FF2B5EF4-FFF2-40B4-BE49-F238E27FC236}">
+                <a16:creationId xmlns:a16="http://schemas.microsoft.com/office/drawing/2014/main" id="{B46860E3-CD34-4DFE-A5BB-8B39941068B1}"/>
+              </a:ext>
+            </a:extLst>
+          </p:cNvPr>
+          <p:cNvPicPr>
+            <a:picLocks noChangeAspect="1"/>
+          </p:cNvPicPr>
+          <p:nvPr/>
+        </p:nvPicPr>
+        <p:blipFill>
+          <a:blip r:embed="rId3">
+            <a:extLst>
+              <a:ext uri="{28A0092B-C50C-407E-A947-70E740481C1C}">
+                <a14:useLocalDpi xmlns:a14="http://schemas.microsoft.com/office/drawing/2010/main" val="0"/>
+              </a:ext>
+            </a:extLst>
+          </a:blip>
+          <a:stretch>
+            <a:fillRect/>
+          </a:stretch>
+        </p:blipFill>
+        <p:spPr>
+          <a:xfrm>
+            <a:off x="329938" y="4475321"/>
+            <a:ext cx="715474" cy="932593"/>
+          </a:xfrm>
+          <a:prstGeom prst="rect">
+            <a:avLst/>
+          </a:prstGeom>
+        </p:spPr>
+      </p:pic>
+      <p:sp>
+        <p:nvSpPr>
+          <p:cNvPr id="15" name="Shape 768">
+            <a:extLst>
+              <a:ext uri="{FF2B5EF4-FFF2-40B4-BE49-F238E27FC236}">
+                <a16:creationId xmlns:a16="http://schemas.microsoft.com/office/drawing/2014/main" id="{C9DFF522-D01F-41D7-A02B-1F1FD904BC48}"/>
+              </a:ext>
+            </a:extLst>
+          </p:cNvPr>
+          <p:cNvSpPr/>
+          <p:nvPr/>
+        </p:nvSpPr>
+        <p:spPr>
+          <a:xfrm>
+            <a:off x="5722071" y="4336329"/>
+            <a:ext cx="6249970" cy="2326230"/>
+          </a:xfrm>
+          <a:prstGeom prst="rect">
+            <a:avLst/>
+          </a:prstGeom>
+          <a:solidFill>
+            <a:srgbClr val="ECFFC3"/>
+          </a:solidFill>
+          <a:ln>
+            <a:noFill/>
+          </a:ln>
+        </p:spPr>
+        <p:txBody>
+          <a:bodyPr lIns="121900" tIns="60933" rIns="121900" bIns="60933" anchor="t" anchorCtr="0">
+            <a:noAutofit/>
+          </a:bodyPr>
+          <a:lstStyle/>
+          <a:p>
+            <a:pPr marL="0" lvl="1" defTabSz="1244600">
+              <a:lnSpc>
+                <a:spcPct val="90000"/>
+              </a:lnSpc>
+              <a:spcBef>
+                <a:spcPct val="0"/>
+              </a:spcBef>
+              <a:spcAft>
+                <a:spcPct val="20000"/>
+              </a:spcAft>
+            </a:pPr>
+            <a:r>
+              <a:rPr lang="en-US" sz="2400" dirty="0">
+                <a:solidFill>
+                  <a:prstClr val="black">
+                    <a:hueOff val="0"/>
+                    <a:satOff val="0"/>
+                    <a:lumOff val="0"/>
+                    <a:alphaOff val="0"/>
+                  </a:prstClr>
+                </a:solidFill>
+                <a:latin typeface="Calibri" panose="020F0502020204030204"/>
+              </a:rPr>
+              <a:t>User will receive the information from Buyer and Seller who are willing to proceed with the Estate agent</a:t>
+            </a:r>
+          </a:p>
+          <a:p>
+            <a:pPr marL="742950" lvl="2" indent="-285750" defTabSz="1244600">
+              <a:lnSpc>
+                <a:spcPct val="90000"/>
+              </a:lnSpc>
+              <a:spcBef>
+                <a:spcPct val="0"/>
+              </a:spcBef>
+              <a:spcAft>
+                <a:spcPct val="20000"/>
+              </a:spcAft>
+              <a:buFont typeface="Courier New" panose="02070309020205020404" pitchFamily="49" charset="0"/>
+              <a:buChar char="o"/>
+            </a:pPr>
+            <a:r>
+              <a:rPr lang="en-US" sz="2000" dirty="0">
+                <a:solidFill>
+                  <a:prstClr val="black">
+                    <a:hueOff val="0"/>
+                    <a:satOff val="0"/>
+                    <a:lumOff val="0"/>
+                    <a:alphaOff val="0"/>
+                  </a:prstClr>
+                </a:solidFill>
+                <a:latin typeface="Calibri" panose="020F0502020204030204"/>
+              </a:rPr>
+              <a:t>Buyer/Seller Contact details</a:t>
+            </a:r>
+          </a:p>
+          <a:p>
+            <a:pPr marL="742950" lvl="2" indent="-285750" defTabSz="1244600">
+              <a:lnSpc>
+                <a:spcPct val="90000"/>
+              </a:lnSpc>
+              <a:spcBef>
+                <a:spcPct val="0"/>
+              </a:spcBef>
+              <a:spcAft>
+                <a:spcPct val="20000"/>
+              </a:spcAft>
+              <a:buFont typeface="Courier New" panose="02070309020205020404" pitchFamily="49" charset="0"/>
+              <a:buChar char="o"/>
+            </a:pPr>
+            <a:r>
+              <a:rPr lang="en-US" sz="2000" dirty="0">
+                <a:solidFill>
+                  <a:prstClr val="black">
+                    <a:hueOff val="0"/>
+                    <a:satOff val="0"/>
+                    <a:lumOff val="0"/>
+                    <a:alphaOff val="0"/>
+                  </a:prstClr>
+                </a:solidFill>
+                <a:latin typeface="Calibri" panose="020F0502020204030204"/>
+              </a:rPr>
+              <a:t>House Details</a:t>
+            </a:r>
+          </a:p>
+        </p:txBody>
+      </p:sp>
+      <p:grpSp>
+        <p:nvGrpSpPr>
+          <p:cNvPr id="16" name="Group 15">
+            <a:extLst>
+              <a:ext uri="{FF2B5EF4-FFF2-40B4-BE49-F238E27FC236}">
+                <a16:creationId xmlns:a16="http://schemas.microsoft.com/office/drawing/2014/main" id="{C5386611-A27E-47A1-A9E2-55162EEB68F1}"/>
+              </a:ext>
+            </a:extLst>
+          </p:cNvPr>
+          <p:cNvGrpSpPr/>
+          <p:nvPr/>
+        </p:nvGrpSpPr>
+        <p:grpSpPr>
+          <a:xfrm>
+            <a:off x="5800134" y="6140083"/>
+            <a:ext cx="6171905" cy="630254"/>
+            <a:chOff x="555716" y="5135982"/>
+            <a:chExt cx="11256629" cy="953903"/>
+          </a:xfrm>
+          <a:scene3d>
+            <a:camera prst="orthographicFront"/>
+            <a:lightRig rig="flat" dir="t"/>
+          </a:scene3d>
+        </p:grpSpPr>
+        <p:sp>
+          <p:nvSpPr>
+            <p:cNvPr id="17" name="Rectangle: Rounded Corners 16">
+              <a:extLst>
+                <a:ext uri="{FF2B5EF4-FFF2-40B4-BE49-F238E27FC236}">
+                  <a16:creationId xmlns:a16="http://schemas.microsoft.com/office/drawing/2014/main" id="{CCFB0EF2-5EBF-4563-B25D-C31D73F9484F}"/>
+                </a:ext>
+              </a:extLst>
+            </p:cNvPr>
+            <p:cNvSpPr/>
+            <p:nvPr/>
+          </p:nvSpPr>
+          <p:spPr>
+            <a:xfrm>
+              <a:off x="555716" y="5135984"/>
+              <a:ext cx="10920168" cy="863460"/>
+            </a:xfrm>
+            <a:prstGeom prst="roundRect">
+              <a:avLst/>
+            </a:prstGeom>
+            <a:solidFill>
+              <a:schemeClr val="accent6">
+                <a:lumMod val="40000"/>
+                <a:lumOff val="60000"/>
+              </a:schemeClr>
+            </a:solidFill>
+            <a:ln>
+              <a:solidFill>
+                <a:schemeClr val="accent6">
+                  <a:lumMod val="50000"/>
+                </a:schemeClr>
+              </a:solidFill>
+            </a:ln>
+            <a:sp3d prstMaterial="plastic">
+              <a:bevelT w="120900" h="88900"/>
+              <a:bevelB w="88900" h="31750" prst="angle"/>
+            </a:sp3d>
+          </p:spPr>
+          <p:style>
+            <a:lnRef idx="0">
+              <a:scrgbClr r="0" g="0" b="0"/>
+            </a:lnRef>
+            <a:fillRef idx="3">
+              <a:scrgbClr r="0" g="0" b="0"/>
+            </a:fillRef>
+            <a:effectRef idx="2">
+              <a:schemeClr val="lt1">
+                <a:hueOff val="0"/>
+                <a:satOff val="0"/>
+                <a:lumOff val="0"/>
+                <a:alphaOff val="0"/>
+              </a:schemeClr>
+            </a:effectRef>
+            <a:fontRef idx="minor">
+              <a:schemeClr val="dk1">
+                <a:hueOff val="0"/>
+                <a:satOff val="0"/>
+                <a:lumOff val="0"/>
+                <a:alphaOff val="0"/>
+              </a:schemeClr>
+            </a:fontRef>
+          </p:style>
+        </p:sp>
+        <p:sp>
+          <p:nvSpPr>
+            <p:cNvPr id="18" name="Rectangle: Rounded Corners 4">
+              <a:extLst>
+                <a:ext uri="{FF2B5EF4-FFF2-40B4-BE49-F238E27FC236}">
+                  <a16:creationId xmlns:a16="http://schemas.microsoft.com/office/drawing/2014/main" id="{E36EC7DC-B7B8-405D-9A22-CB02ED6008C2}"/>
+                </a:ext>
+              </a:extLst>
+            </p:cNvPr>
+            <p:cNvSpPr txBox="1"/>
+            <p:nvPr/>
+          </p:nvSpPr>
+          <p:spPr>
+            <a:xfrm>
+              <a:off x="555716" y="5135982"/>
+              <a:ext cx="11256629" cy="953903"/>
+            </a:xfrm>
+            <a:prstGeom prst="rect">
+              <a:avLst/>
+            </a:prstGeom>
+            <a:sp3d/>
+          </p:spPr>
+          <p:style>
+            <a:lnRef idx="0">
+              <a:scrgbClr r="0" g="0" b="0"/>
+            </a:lnRef>
+            <a:fillRef idx="0">
+              <a:scrgbClr r="0" g="0" b="0"/>
+            </a:fillRef>
+            <a:effectRef idx="0">
+              <a:scrgbClr r="0" g="0" b="0"/>
+            </a:effectRef>
+            <a:fontRef idx="minor">
+              <a:schemeClr val="dk1">
+                <a:hueOff val="0"/>
+                <a:satOff val="0"/>
+                <a:lumOff val="0"/>
+                <a:alphaOff val="0"/>
+              </a:schemeClr>
+            </a:fontRef>
+          </p:style>
+          <p:txBody>
+            <a:bodyPr spcFirstLastPara="0" vert="horz" wrap="square" lIns="137160" tIns="137160" rIns="137160" bIns="137160" numCol="1" spcCol="1270" anchor="ctr" anchorCtr="0">
+              <a:noAutofit/>
+            </a:bodyPr>
+            <a:lstStyle/>
+            <a:p>
+              <a:pPr marL="0" lvl="0" indent="0" algn="l" defTabSz="1600200">
+                <a:lnSpc>
+                  <a:spcPct val="90000"/>
+                </a:lnSpc>
+                <a:spcBef>
+                  <a:spcPct val="0"/>
+                </a:spcBef>
+                <a:spcAft>
+                  <a:spcPct val="35000"/>
+                </a:spcAft>
+                <a:buNone/>
+              </a:pPr>
+              <a:r>
+                <a:rPr lang="en-US" kern="1200" dirty="0"/>
+                <a:t>User will get the customer and House details</a:t>
+              </a:r>
+            </a:p>
+          </p:txBody>
+        </p:sp>
+      </p:grpSp>
     </p:spTree>
     <p:extLst>
       <p:ext uri="{BB962C8B-B14F-4D97-AF65-F5344CB8AC3E}">
-        <p14:creationId xmlns:p14="http://schemas.microsoft.com/office/powerpoint/2010/main" val="4253534961"/>
+        <p14:creationId xmlns:p14="http://schemas.microsoft.com/office/powerpoint/2010/main" val="1251846280"/>
       </p:ext>
     </p:extLst>
   </p:cSld>
   <p:clrMapOvr>
     <a:masterClrMapping/>
   </p:clrMapOvr>
-  <p:transition>
-    <p:fade/>
-  </p:transition>
 </p:sld>
 </file>
 
@@ -13326,6 +10959,77 @@
           <a:chExt cx="0" cy="0"/>
         </a:xfrm>
       </p:grpSpPr>
+      <p:sp>
+        <p:nvSpPr>
+          <p:cNvPr id="6" name="Shape 369"/>
+          <p:cNvSpPr txBox="1">
+            <a:spLocks noGrp="1"/>
+          </p:cNvSpPr>
+          <p:nvPr>
+            <p:ph type="title"/>
+          </p:nvPr>
+        </p:nvSpPr>
+        <p:spPr>
+          <a:xfrm>
+            <a:off x="0" y="0"/>
+            <a:ext cx="12191999" cy="1052792"/>
+          </a:xfrm>
+          <a:prstGeom prst="rect">
+            <a:avLst/>
+          </a:prstGeom>
+          <a:solidFill>
+            <a:schemeClr val="bg1">
+              <a:lumMod val="75000"/>
+            </a:schemeClr>
+          </a:solidFill>
+          <a:ln>
+            <a:noFill/>
+          </a:ln>
+        </p:spPr>
+        <p:txBody>
+          <a:bodyPr vert="horz" lIns="0" tIns="0" rIns="0" bIns="0" rtlCol="0" anchor="t" anchorCtr="0">
+            <a:noAutofit/>
+          </a:bodyPr>
+          <a:lstStyle/>
+          <a:p>
+            <a:pPr algn="ctr">
+              <a:buSzPct val="25000"/>
+            </a:pPr>
+            <a:r>
+              <a:rPr lang="en-US" sz="3600" b="1" dirty="0">
+                <a:solidFill>
+                  <a:schemeClr val="tx1"/>
+                </a:solidFill>
+                <a:latin typeface="Arial" panose="020B0604020202020204" pitchFamily="34" charset="0"/>
+                <a:ea typeface="+mj-ea"/>
+                <a:cs typeface="Arial" panose="020B0604020202020204" pitchFamily="34" charset="0"/>
+              </a:rPr>
+              <a:t>				</a:t>
+            </a:r>
+            <a:br>
+              <a:rPr lang="en-US" sz="3600" b="1" dirty="0">
+                <a:solidFill>
+                  <a:schemeClr val="tx1"/>
+                </a:solidFill>
+                <a:latin typeface="Arial" panose="020B0604020202020204" pitchFamily="34" charset="0"/>
+                <a:ea typeface="+mj-ea"/>
+                <a:cs typeface="Arial" panose="020B0604020202020204" pitchFamily="34" charset="0"/>
+              </a:rPr>
+            </a:br>
+            <a:r>
+              <a:rPr lang="en-US" sz="3600" b="1" dirty="0">
+                <a:solidFill>
+                  <a:schemeClr val="tx1"/>
+                </a:solidFill>
+                <a:latin typeface="Arial" panose="020B0604020202020204" pitchFamily="34" charset="0"/>
+                <a:ea typeface="+mj-ea"/>
+                <a:cs typeface="Arial" panose="020B0604020202020204" pitchFamily="34" charset="0"/>
+              </a:rPr>
+              <a:t>				Methodology				</a:t>
+            </a:r>
+          </a:p>
+        </p:txBody>
+      </p:sp>
       <p:graphicFrame>
         <p:nvGraphicFramePr>
           <p:cNvPr id="5" name="Diagram 4">
@@ -13354,98 +11058,6 @@
           </a:graphicData>
         </a:graphic>
       </p:graphicFrame>
-      <p:sp>
-        <p:nvSpPr>
-          <p:cNvPr id="3" name="Title 2">
-            <a:extLst>
-              <a:ext uri="{FF2B5EF4-FFF2-40B4-BE49-F238E27FC236}">
-                <a16:creationId xmlns:a16="http://schemas.microsoft.com/office/drawing/2014/main" id="{C6C75E55-47F0-4658-ACC0-CCD233FA24BA}"/>
-              </a:ext>
-            </a:extLst>
-          </p:cNvPr>
-          <p:cNvSpPr>
-            <a:spLocks noGrp="1"/>
-          </p:cNvSpPr>
-          <p:nvPr>
-            <p:ph type="title"/>
-          </p:nvPr>
-        </p:nvSpPr>
-        <p:spPr/>
-        <p:txBody>
-          <a:bodyPr>
-            <a:normAutofit fontScale="90000"/>
-          </a:bodyPr>
-          <a:lstStyle/>
-          <a:p>
-            <a:endParaRPr lang="en-US"/>
-          </a:p>
-        </p:txBody>
-      </p:sp>
-      <p:sp>
-        <p:nvSpPr>
-          <p:cNvPr id="7" name="Shape 369">
-            <a:extLst>
-              <a:ext uri="{FF2B5EF4-FFF2-40B4-BE49-F238E27FC236}">
-                <a16:creationId xmlns:a16="http://schemas.microsoft.com/office/drawing/2014/main" id="{CB03F762-992B-4191-8C14-65429AFE4BAF}"/>
-              </a:ext>
-            </a:extLst>
-          </p:cNvPr>
-          <p:cNvSpPr txBox="1">
-            <a:spLocks/>
-          </p:cNvSpPr>
-          <p:nvPr/>
-        </p:nvSpPr>
-        <p:spPr>
-          <a:xfrm>
-            <a:off x="-2" y="0"/>
-            <a:ext cx="12191999" cy="1244338"/>
-          </a:xfrm>
-          <a:prstGeom prst="rect">
-            <a:avLst/>
-          </a:prstGeom>
-          <a:solidFill>
-            <a:schemeClr val="bg1">
-              <a:lumMod val="75000"/>
-            </a:schemeClr>
-          </a:solidFill>
-          <a:ln>
-            <a:solidFill>
-              <a:srgbClr val="0070C0"/>
-            </a:solidFill>
-          </a:ln>
-        </p:spPr>
-        <p:txBody>
-          <a:bodyPr vert="horz" lIns="0" tIns="0" rIns="0" bIns="0" rtlCol="0" anchor="t" anchorCtr="0">
-            <a:noAutofit/>
-          </a:bodyPr>
-          <a:lstStyle>
-            <a:defPPr>
-              <a:defRPr lang="en-US"/>
-            </a:defPPr>
-            <a:lvl1pPr algn="ctr">
-              <a:lnSpc>
-                <a:spcPct val="200000"/>
-              </a:lnSpc>
-              <a:spcBef>
-                <a:spcPct val="0"/>
-              </a:spcBef>
-              <a:buSzPct val="25000"/>
-              <a:buNone/>
-              <a:defRPr sz="4000" b="1">
-                <a:latin typeface="Arial" panose="020B0604020202020204" pitchFamily="34" charset="0"/>
-                <a:ea typeface="+mj-ea"/>
-                <a:cs typeface="Arial" panose="020B0604020202020204" pitchFamily="34" charset="0"/>
-              </a:defRPr>
-            </a:lvl1pPr>
-          </a:lstStyle>
-          <a:p>
-            <a:r>
-              <a:rPr lang="en-US" dirty="0"/>
-              <a:t>Methodology</a:t>
-            </a:r>
-          </a:p>
-        </p:txBody>
-      </p:sp>
     </p:spTree>
     <p:extLst>
       <p:ext uri="{BB962C8B-B14F-4D97-AF65-F5344CB8AC3E}">
@@ -13547,17 +11159,11 @@
           <a:p>
             <a:r>
               <a:rPr lang="en-US" dirty="0"/>
-              <a:t>Magnitude of data: 23000 rows</a:t>
+              <a:t>Magnitude of data: 23500 rows</a:t>
             </a:r>
           </a:p>
           <a:p>
             <a:endParaRPr lang="en-US" dirty="0"/>
-          </a:p>
-          <a:p>
-            <a:r>
-              <a:rPr lang="en-US" dirty="0"/>
-              <a:t>Number of features: 80</a:t>
-            </a:r>
           </a:p>
         </p:txBody>
       </p:sp>
@@ -13577,7 +11183,7 @@
         </p:nvSpPr>
         <p:spPr>
           <a:xfrm>
-            <a:off x="-2" y="0"/>
+            <a:off x="0" y="0"/>
             <a:ext cx="12191999" cy="1244338"/>
           </a:xfrm>
           <a:prstGeom prst="rect">
@@ -13599,28 +11205,36 @@
             <a:noAutofit/>
           </a:bodyPr>
           <a:lstStyle>
-            <a:defPPr>
-              <a:defRPr lang="en-US"/>
-            </a:defPPr>
-            <a:lvl1pPr algn="ctr">
+            <a:lvl1pPr algn="l" defTabSz="914400" rtl="0" eaLnBrk="1" latinLnBrk="0" hangingPunct="1">
               <a:lnSpc>
-                <a:spcPct val="200000"/>
+                <a:spcPct val="90000"/>
               </a:lnSpc>
               <a:spcBef>
                 <a:spcPct val="0"/>
               </a:spcBef>
-              <a:buSzPct val="25000"/>
               <a:buNone/>
-              <a:defRPr sz="4000" b="1">
-                <a:latin typeface="Arial" panose="020B0604020202020204" pitchFamily="34" charset="0"/>
+              <a:defRPr sz="4400" kern="1200">
+                <a:solidFill>
+                  <a:schemeClr val="tx1"/>
+                </a:solidFill>
+                <a:latin typeface="+mj-lt"/>
                 <a:ea typeface="+mj-ea"/>
-                <a:cs typeface="Arial" panose="020B0604020202020204" pitchFamily="34" charset="0"/>
+                <a:cs typeface="+mj-cs"/>
               </a:defRPr>
             </a:lvl1pPr>
           </a:lstStyle>
           <a:p>
+            <a:pPr algn="ctr">
+              <a:lnSpc>
+                <a:spcPct val="200000"/>
+              </a:lnSpc>
+              <a:buSzPct val="25000"/>
+            </a:pPr>
             <a:r>
-              <a:rPr lang="en-US" dirty="0"/>
+              <a:rPr lang="en-US" sz="4000" b="1" dirty="0">
+                <a:latin typeface="Arial" panose="020B0604020202020204" pitchFamily="34" charset="0"/>
+                <a:cs typeface="Arial" panose="020B0604020202020204" pitchFamily="34" charset="0"/>
+              </a:rPr>
               <a:t>Data Sources</a:t>
             </a:r>
           </a:p>
@@ -13767,28 +11381,36 @@
             <a:noAutofit/>
           </a:bodyPr>
           <a:lstStyle>
-            <a:defPPr>
-              <a:defRPr lang="en-US"/>
-            </a:defPPr>
-            <a:lvl1pPr algn="ctr">
+            <a:lvl1pPr algn="l" defTabSz="914400" rtl="0" eaLnBrk="1" latinLnBrk="0" hangingPunct="1">
               <a:lnSpc>
-                <a:spcPct val="200000"/>
+                <a:spcPct val="90000"/>
               </a:lnSpc>
               <a:spcBef>
                 <a:spcPct val="0"/>
               </a:spcBef>
-              <a:buSzPct val="25000"/>
               <a:buNone/>
-              <a:defRPr sz="4000" b="1">
-                <a:latin typeface="Arial" panose="020B0604020202020204" pitchFamily="34" charset="0"/>
+              <a:defRPr sz="4400" kern="1200">
+                <a:solidFill>
+                  <a:schemeClr val="tx1"/>
+                </a:solidFill>
+                <a:latin typeface="+mj-lt"/>
                 <a:ea typeface="+mj-ea"/>
-                <a:cs typeface="Arial" panose="020B0604020202020204" pitchFamily="34" charset="0"/>
+                <a:cs typeface="+mj-cs"/>
               </a:defRPr>
             </a:lvl1pPr>
           </a:lstStyle>
           <a:p>
+            <a:pPr algn="ctr">
+              <a:lnSpc>
+                <a:spcPct val="200000"/>
+              </a:lnSpc>
+              <a:buSzPct val="25000"/>
+            </a:pPr>
             <a:r>
-              <a:rPr lang="en-US" dirty="0"/>
+              <a:rPr lang="en-US" sz="4000" b="1" dirty="0">
+                <a:latin typeface="Arial" panose="020B0604020202020204" pitchFamily="34" charset="0"/>
+                <a:cs typeface="Arial" panose="020B0604020202020204" pitchFamily="34" charset="0"/>
+              </a:rPr>
               <a:t>Programming in Scala &amp; Code Repository</a:t>
             </a:r>
           </a:p>
@@ -13975,30 +11597,26 @@
             <p:ph idx="1"/>
           </p:nvPr>
         </p:nvSpPr>
-        <p:spPr/>
+        <p:spPr>
+          <a:xfrm>
+            <a:off x="715651" y="1373138"/>
+            <a:ext cx="10515600" cy="4351338"/>
+          </a:xfrm>
+        </p:spPr>
         <p:txBody>
           <a:bodyPr/>
           <a:lstStyle/>
           <a:p>
+            <a:pPr marL="0" indent="0">
+              <a:buNone/>
+            </a:pPr>
+            <a:endParaRPr lang="en-US" dirty="0"/>
+          </a:p>
+          <a:p>
             <a:r>
               <a:rPr lang="en-US" dirty="0"/>
-              <a:t>Proposed accuracy of predictive models to be greater than 70%</a:t>
+              <a:t>Proposed accuracy for both predictive models to be greater than 70% with precision ~65% and recall ~75%.</a:t>
             </a:r>
-          </a:p>
-          <a:p>
-            <a:r>
-              <a:rPr lang="en-US" dirty="0"/>
-              <a:t>Unit testing of the Scala codes</a:t>
-            </a:r>
-          </a:p>
-          <a:p>
-            <a:r>
-              <a:rPr lang="en-US" dirty="0"/>
-              <a:t>Functional testing of the Application</a:t>
-            </a:r>
-          </a:p>
-          <a:p>
-            <a:endParaRPr lang="en-US" dirty="0"/>
           </a:p>
         </p:txBody>
       </p:sp>
